--- a/graphs/diagrams.pptx
+++ b/graphs/diagrams.pptx
@@ -104,6 +104,11 @@
       </a:defRPr>
     </a:lvl9pPr>
   </p:defaultTextStyle>
+  <p:extLst>
+    <p:ext uri="{EFAFB233-063F-42B5-8137-9DF3F51BA10A}">
+      <p15:sldGuideLst xmlns:p15="http://schemas.microsoft.com/office/powerpoint/2012/main"/>
+    </p:ext>
+  </p:extLst>
 </p:presentation>
 </file>
 
@@ -149,7 +154,7 @@
           </a:lstStyle>
           <a:p>
             <a:r>
-              <a:rPr lang="he-IL" smtClean="0"/>
+              <a:rPr lang="he-IL"/>
               <a:t>לחץ כדי לערוך סגנון כותרת של תבנית בסיס</a:t>
             </a:r>
             <a:endParaRPr lang="en-US" dirty="0"/>
@@ -214,7 +219,7 @@
           </a:lstStyle>
           <a:p>
             <a:r>
-              <a:rPr lang="he-IL" smtClean="0"/>
+              <a:rPr lang="he-IL"/>
               <a:t>לחץ כדי לערוך סגנון כותרת משנה של תבנית בסיס</a:t>
             </a:r>
             <a:endParaRPr lang="en-US" dirty="0"/>
@@ -238,7 +243,7 @@
           <a:p>
             <a:fld id="{BE4C7591-B1FC-4832-BF0E-EB24DC105685}" type="datetimeFigureOut">
               <a:rPr lang="he-IL" smtClean="0"/>
-              <a:t>י"ח/טבת/תשפ"ה</a:t>
+              <a:t>י"ט/טבת/תשפ"ה</a:t>
             </a:fld>
             <a:endParaRPr lang="he-IL"/>
           </a:p>
@@ -332,7 +337,7 @@
           <a:lstStyle/>
           <a:p>
             <a:r>
-              <a:rPr lang="he-IL" smtClean="0"/>
+              <a:rPr lang="he-IL"/>
               <a:t>לחץ כדי לערוך סגנון כותרת של תבנית בסיס</a:t>
             </a:r>
             <a:endParaRPr lang="en-US" dirty="0"/>
@@ -356,35 +361,35 @@
           <a:p>
             <a:pPr lvl="0"/>
             <a:r>
-              <a:rPr lang="he-IL" smtClean="0"/>
+              <a:rPr lang="he-IL"/>
               <a:t>ערוך סגנונות טקסט של תבנית בסיס</a:t>
             </a:r>
           </a:p>
           <a:p>
             <a:pPr lvl="1"/>
             <a:r>
-              <a:rPr lang="he-IL" smtClean="0"/>
+              <a:rPr lang="he-IL"/>
               <a:t>רמה שניה</a:t>
             </a:r>
           </a:p>
           <a:p>
             <a:pPr lvl="2"/>
             <a:r>
-              <a:rPr lang="he-IL" smtClean="0"/>
+              <a:rPr lang="he-IL"/>
               <a:t>רמה שלישית</a:t>
             </a:r>
           </a:p>
           <a:p>
             <a:pPr lvl="3"/>
             <a:r>
-              <a:rPr lang="he-IL" smtClean="0"/>
+              <a:rPr lang="he-IL"/>
               <a:t>רמה רביעית</a:t>
             </a:r>
           </a:p>
           <a:p>
             <a:pPr lvl="4"/>
             <a:r>
-              <a:rPr lang="he-IL" smtClean="0"/>
+              <a:rPr lang="he-IL"/>
               <a:t>רמה חמישית</a:t>
             </a:r>
             <a:endParaRPr lang="en-US" dirty="0"/>
@@ -408,7 +413,7 @@
           <a:p>
             <a:fld id="{BE4C7591-B1FC-4832-BF0E-EB24DC105685}" type="datetimeFigureOut">
               <a:rPr lang="he-IL" smtClean="0"/>
-              <a:t>י"ח/טבת/תשפ"ה</a:t>
+              <a:t>י"ט/טבת/תשפ"ה</a:t>
             </a:fld>
             <a:endParaRPr lang="he-IL"/>
           </a:p>
@@ -507,7 +512,7 @@
           <a:lstStyle/>
           <a:p>
             <a:r>
-              <a:rPr lang="he-IL" smtClean="0"/>
+              <a:rPr lang="he-IL"/>
               <a:t>לחץ כדי לערוך סגנון כותרת של תבנית בסיס</a:t>
             </a:r>
             <a:endParaRPr lang="en-US" dirty="0"/>
@@ -536,35 +541,35 @@
           <a:p>
             <a:pPr lvl="0"/>
             <a:r>
-              <a:rPr lang="he-IL" smtClean="0"/>
+              <a:rPr lang="he-IL"/>
               <a:t>ערוך סגנונות טקסט של תבנית בסיס</a:t>
             </a:r>
           </a:p>
           <a:p>
             <a:pPr lvl="1"/>
             <a:r>
-              <a:rPr lang="he-IL" smtClean="0"/>
+              <a:rPr lang="he-IL"/>
               <a:t>רמה שניה</a:t>
             </a:r>
           </a:p>
           <a:p>
             <a:pPr lvl="2"/>
             <a:r>
-              <a:rPr lang="he-IL" smtClean="0"/>
+              <a:rPr lang="he-IL"/>
               <a:t>רמה שלישית</a:t>
             </a:r>
           </a:p>
           <a:p>
             <a:pPr lvl="3"/>
             <a:r>
-              <a:rPr lang="he-IL" smtClean="0"/>
+              <a:rPr lang="he-IL"/>
               <a:t>רמה רביעית</a:t>
             </a:r>
           </a:p>
           <a:p>
             <a:pPr lvl="4"/>
             <a:r>
-              <a:rPr lang="he-IL" smtClean="0"/>
+              <a:rPr lang="he-IL"/>
               <a:t>רמה חמישית</a:t>
             </a:r>
             <a:endParaRPr lang="en-US" dirty="0"/>
@@ -588,7 +593,7 @@
           <a:p>
             <a:fld id="{BE4C7591-B1FC-4832-BF0E-EB24DC105685}" type="datetimeFigureOut">
               <a:rPr lang="he-IL" smtClean="0"/>
-              <a:t>י"ח/טבת/תשפ"ה</a:t>
+              <a:t>י"ט/טבת/תשפ"ה</a:t>
             </a:fld>
             <a:endParaRPr lang="he-IL"/>
           </a:p>
@@ -682,7 +687,7 @@
           <a:lstStyle/>
           <a:p>
             <a:r>
-              <a:rPr lang="he-IL" smtClean="0"/>
+              <a:rPr lang="he-IL"/>
               <a:t>לחץ כדי לערוך סגנון כותרת של תבנית בסיס</a:t>
             </a:r>
             <a:endParaRPr lang="en-US" dirty="0"/>
@@ -706,35 +711,35 @@
           <a:p>
             <a:pPr lvl="0"/>
             <a:r>
-              <a:rPr lang="he-IL" smtClean="0"/>
+              <a:rPr lang="he-IL"/>
               <a:t>ערוך סגנונות טקסט של תבנית בסיס</a:t>
             </a:r>
           </a:p>
           <a:p>
             <a:pPr lvl="1"/>
             <a:r>
-              <a:rPr lang="he-IL" smtClean="0"/>
+              <a:rPr lang="he-IL"/>
               <a:t>רמה שניה</a:t>
             </a:r>
           </a:p>
           <a:p>
             <a:pPr lvl="2"/>
             <a:r>
-              <a:rPr lang="he-IL" smtClean="0"/>
+              <a:rPr lang="he-IL"/>
               <a:t>רמה שלישית</a:t>
             </a:r>
           </a:p>
           <a:p>
             <a:pPr lvl="3"/>
             <a:r>
-              <a:rPr lang="he-IL" smtClean="0"/>
+              <a:rPr lang="he-IL"/>
               <a:t>רמה רביעית</a:t>
             </a:r>
           </a:p>
           <a:p>
             <a:pPr lvl="4"/>
             <a:r>
-              <a:rPr lang="he-IL" smtClean="0"/>
+              <a:rPr lang="he-IL"/>
               <a:t>רמה חמישית</a:t>
             </a:r>
             <a:endParaRPr lang="en-US" dirty="0"/>
@@ -758,7 +763,7 @@
           <a:p>
             <a:fld id="{BE4C7591-B1FC-4832-BF0E-EB24DC105685}" type="datetimeFigureOut">
               <a:rPr lang="he-IL" smtClean="0"/>
-              <a:t>י"ח/טבת/תשפ"ה</a:t>
+              <a:t>י"ט/טבת/תשפ"ה</a:t>
             </a:fld>
             <a:endParaRPr lang="he-IL"/>
           </a:p>
@@ -861,7 +866,7 @@
           </a:lstStyle>
           <a:p>
             <a:r>
-              <a:rPr lang="he-IL" smtClean="0"/>
+              <a:rPr lang="he-IL"/>
               <a:t>לחץ כדי לערוך סגנון כותרת של תבנית בסיס</a:t>
             </a:r>
             <a:endParaRPr lang="en-US" dirty="0"/>
@@ -979,7 +984,7 @@
           <a:p>
             <a:pPr lvl="0"/>
             <a:r>
-              <a:rPr lang="he-IL" smtClean="0"/>
+              <a:rPr lang="he-IL"/>
               <a:t>ערוך סגנונות טקסט של תבנית בסיס</a:t>
             </a:r>
           </a:p>
@@ -1002,7 +1007,7 @@
           <a:p>
             <a:fld id="{BE4C7591-B1FC-4832-BF0E-EB24DC105685}" type="datetimeFigureOut">
               <a:rPr lang="he-IL" smtClean="0"/>
-              <a:t>י"ח/טבת/תשפ"ה</a:t>
+              <a:t>י"ט/טבת/תשפ"ה</a:t>
             </a:fld>
             <a:endParaRPr lang="he-IL"/>
           </a:p>
@@ -1096,7 +1101,7 @@
           <a:lstStyle/>
           <a:p>
             <a:r>
-              <a:rPr lang="he-IL" smtClean="0"/>
+              <a:rPr lang="he-IL"/>
               <a:t>לחץ כדי לערוך סגנון כותרת של תבנית בסיס</a:t>
             </a:r>
             <a:endParaRPr lang="en-US" dirty="0"/>
@@ -1125,35 +1130,35 @@
           <a:p>
             <a:pPr lvl="0"/>
             <a:r>
-              <a:rPr lang="he-IL" smtClean="0"/>
+              <a:rPr lang="he-IL"/>
               <a:t>ערוך סגנונות טקסט של תבנית בסיס</a:t>
             </a:r>
           </a:p>
           <a:p>
             <a:pPr lvl="1"/>
             <a:r>
-              <a:rPr lang="he-IL" smtClean="0"/>
+              <a:rPr lang="he-IL"/>
               <a:t>רמה שניה</a:t>
             </a:r>
           </a:p>
           <a:p>
             <a:pPr lvl="2"/>
             <a:r>
-              <a:rPr lang="he-IL" smtClean="0"/>
+              <a:rPr lang="he-IL"/>
               <a:t>רמה שלישית</a:t>
             </a:r>
           </a:p>
           <a:p>
             <a:pPr lvl="3"/>
             <a:r>
-              <a:rPr lang="he-IL" smtClean="0"/>
+              <a:rPr lang="he-IL"/>
               <a:t>רמה רביעית</a:t>
             </a:r>
           </a:p>
           <a:p>
             <a:pPr lvl="4"/>
             <a:r>
-              <a:rPr lang="he-IL" smtClean="0"/>
+              <a:rPr lang="he-IL"/>
               <a:t>רמה חמישית</a:t>
             </a:r>
             <a:endParaRPr lang="en-US" dirty="0"/>
@@ -1182,35 +1187,35 @@
           <a:p>
             <a:pPr lvl="0"/>
             <a:r>
-              <a:rPr lang="he-IL" smtClean="0"/>
+              <a:rPr lang="he-IL"/>
               <a:t>ערוך סגנונות טקסט של תבנית בסיס</a:t>
             </a:r>
           </a:p>
           <a:p>
             <a:pPr lvl="1"/>
             <a:r>
-              <a:rPr lang="he-IL" smtClean="0"/>
+              <a:rPr lang="he-IL"/>
               <a:t>רמה שניה</a:t>
             </a:r>
           </a:p>
           <a:p>
             <a:pPr lvl="2"/>
             <a:r>
-              <a:rPr lang="he-IL" smtClean="0"/>
+              <a:rPr lang="he-IL"/>
               <a:t>רמה שלישית</a:t>
             </a:r>
           </a:p>
           <a:p>
             <a:pPr lvl="3"/>
             <a:r>
-              <a:rPr lang="he-IL" smtClean="0"/>
+              <a:rPr lang="he-IL"/>
               <a:t>רמה רביעית</a:t>
             </a:r>
           </a:p>
           <a:p>
             <a:pPr lvl="4"/>
             <a:r>
-              <a:rPr lang="he-IL" smtClean="0"/>
+              <a:rPr lang="he-IL"/>
               <a:t>רמה חמישית</a:t>
             </a:r>
             <a:endParaRPr lang="en-US" dirty="0"/>
@@ -1234,7 +1239,7 @@
           <a:p>
             <a:fld id="{BE4C7591-B1FC-4832-BF0E-EB24DC105685}" type="datetimeFigureOut">
               <a:rPr lang="he-IL" smtClean="0"/>
-              <a:t>י"ח/טבת/תשפ"ה</a:t>
+              <a:t>י"ט/טבת/תשפ"ה</a:t>
             </a:fld>
             <a:endParaRPr lang="he-IL"/>
           </a:p>
@@ -1333,7 +1338,7 @@
           <a:lstStyle/>
           <a:p>
             <a:r>
-              <a:rPr lang="he-IL" smtClean="0"/>
+              <a:rPr lang="he-IL"/>
               <a:t>לחץ כדי לערוך סגנון כותרת של תבנית בסיס</a:t>
             </a:r>
             <a:endParaRPr lang="en-US" dirty="0"/>
@@ -1399,7 +1404,7 @@
           <a:p>
             <a:pPr lvl="0"/>
             <a:r>
-              <a:rPr lang="he-IL" smtClean="0"/>
+              <a:rPr lang="he-IL"/>
               <a:t>ערוך סגנונות טקסט של תבנית בסיס</a:t>
             </a:r>
           </a:p>
@@ -1427,35 +1432,35 @@
           <a:p>
             <a:pPr lvl="0"/>
             <a:r>
-              <a:rPr lang="he-IL" smtClean="0"/>
+              <a:rPr lang="he-IL"/>
               <a:t>ערוך סגנונות טקסט של תבנית בסיס</a:t>
             </a:r>
           </a:p>
           <a:p>
             <a:pPr lvl="1"/>
             <a:r>
-              <a:rPr lang="he-IL" smtClean="0"/>
+              <a:rPr lang="he-IL"/>
               <a:t>רמה שניה</a:t>
             </a:r>
           </a:p>
           <a:p>
             <a:pPr lvl="2"/>
             <a:r>
-              <a:rPr lang="he-IL" smtClean="0"/>
+              <a:rPr lang="he-IL"/>
               <a:t>רמה שלישית</a:t>
             </a:r>
           </a:p>
           <a:p>
             <a:pPr lvl="3"/>
             <a:r>
-              <a:rPr lang="he-IL" smtClean="0"/>
+              <a:rPr lang="he-IL"/>
               <a:t>רמה רביעית</a:t>
             </a:r>
           </a:p>
           <a:p>
             <a:pPr lvl="4"/>
             <a:r>
-              <a:rPr lang="he-IL" smtClean="0"/>
+              <a:rPr lang="he-IL"/>
               <a:t>רמה חמישית</a:t>
             </a:r>
             <a:endParaRPr lang="en-US" dirty="0"/>
@@ -1521,7 +1526,7 @@
           <a:p>
             <a:pPr lvl="0"/>
             <a:r>
-              <a:rPr lang="he-IL" smtClean="0"/>
+              <a:rPr lang="he-IL"/>
               <a:t>ערוך סגנונות טקסט של תבנית בסיס</a:t>
             </a:r>
           </a:p>
@@ -1549,35 +1554,35 @@
           <a:p>
             <a:pPr lvl="0"/>
             <a:r>
-              <a:rPr lang="he-IL" smtClean="0"/>
+              <a:rPr lang="he-IL"/>
               <a:t>ערוך סגנונות טקסט של תבנית בסיס</a:t>
             </a:r>
           </a:p>
           <a:p>
             <a:pPr lvl="1"/>
             <a:r>
-              <a:rPr lang="he-IL" smtClean="0"/>
+              <a:rPr lang="he-IL"/>
               <a:t>רמה שניה</a:t>
             </a:r>
           </a:p>
           <a:p>
             <a:pPr lvl="2"/>
             <a:r>
-              <a:rPr lang="he-IL" smtClean="0"/>
+              <a:rPr lang="he-IL"/>
               <a:t>רמה שלישית</a:t>
             </a:r>
           </a:p>
           <a:p>
             <a:pPr lvl="3"/>
             <a:r>
-              <a:rPr lang="he-IL" smtClean="0"/>
+              <a:rPr lang="he-IL"/>
               <a:t>רמה רביעית</a:t>
             </a:r>
           </a:p>
           <a:p>
             <a:pPr lvl="4"/>
             <a:r>
-              <a:rPr lang="he-IL" smtClean="0"/>
+              <a:rPr lang="he-IL"/>
               <a:t>רמה חמישית</a:t>
             </a:r>
             <a:endParaRPr lang="en-US" dirty="0"/>
@@ -1601,7 +1606,7 @@
           <a:p>
             <a:fld id="{BE4C7591-B1FC-4832-BF0E-EB24DC105685}" type="datetimeFigureOut">
               <a:rPr lang="he-IL" smtClean="0"/>
-              <a:t>י"ח/טבת/תשפ"ה</a:t>
+              <a:t>י"ט/טבת/תשפ"ה</a:t>
             </a:fld>
             <a:endParaRPr lang="he-IL"/>
           </a:p>
@@ -1695,7 +1700,7 @@
           <a:lstStyle/>
           <a:p>
             <a:r>
-              <a:rPr lang="he-IL" smtClean="0"/>
+              <a:rPr lang="he-IL"/>
               <a:t>לחץ כדי לערוך סגנון כותרת של תבנית בסיס</a:t>
             </a:r>
             <a:endParaRPr lang="en-US" dirty="0"/>
@@ -1719,7 +1724,7 @@
           <a:p>
             <a:fld id="{BE4C7591-B1FC-4832-BF0E-EB24DC105685}" type="datetimeFigureOut">
               <a:rPr lang="he-IL" smtClean="0"/>
-              <a:t>י"ח/טבת/תשפ"ה</a:t>
+              <a:t>י"ט/טבת/תשפ"ה</a:t>
             </a:fld>
             <a:endParaRPr lang="he-IL"/>
           </a:p>
@@ -1814,7 +1819,7 @@
           <a:p>
             <a:fld id="{BE4C7591-B1FC-4832-BF0E-EB24DC105685}" type="datetimeFigureOut">
               <a:rPr lang="he-IL" smtClean="0"/>
-              <a:t>י"ח/טבת/תשפ"ה</a:t>
+              <a:t>י"ט/טבת/תשפ"ה</a:t>
             </a:fld>
             <a:endParaRPr lang="he-IL"/>
           </a:p>
@@ -1917,7 +1922,7 @@
           </a:lstStyle>
           <a:p>
             <a:r>
-              <a:rPr lang="he-IL" smtClean="0"/>
+              <a:rPr lang="he-IL"/>
               <a:t>לחץ כדי לערוך סגנון כותרת של תבנית בסיס</a:t>
             </a:r>
             <a:endParaRPr lang="en-US" dirty="0"/>
@@ -1974,35 +1979,35 @@
           <a:p>
             <a:pPr lvl="0"/>
             <a:r>
-              <a:rPr lang="he-IL" smtClean="0"/>
+              <a:rPr lang="he-IL"/>
               <a:t>ערוך סגנונות טקסט של תבנית בסיס</a:t>
             </a:r>
           </a:p>
           <a:p>
             <a:pPr lvl="1"/>
             <a:r>
-              <a:rPr lang="he-IL" smtClean="0"/>
+              <a:rPr lang="he-IL"/>
               <a:t>רמה שניה</a:t>
             </a:r>
           </a:p>
           <a:p>
             <a:pPr lvl="2"/>
             <a:r>
-              <a:rPr lang="he-IL" smtClean="0"/>
+              <a:rPr lang="he-IL"/>
               <a:t>רמה שלישית</a:t>
             </a:r>
           </a:p>
           <a:p>
             <a:pPr lvl="3"/>
             <a:r>
-              <a:rPr lang="he-IL" smtClean="0"/>
+              <a:rPr lang="he-IL"/>
               <a:t>רמה רביעית</a:t>
             </a:r>
           </a:p>
           <a:p>
             <a:pPr lvl="4"/>
             <a:r>
-              <a:rPr lang="he-IL" smtClean="0"/>
+              <a:rPr lang="he-IL"/>
               <a:t>רמה חמישית</a:t>
             </a:r>
             <a:endParaRPr lang="en-US" dirty="0"/>
@@ -2068,7 +2073,7 @@
           <a:p>
             <a:pPr lvl="0"/>
             <a:r>
-              <a:rPr lang="he-IL" smtClean="0"/>
+              <a:rPr lang="he-IL"/>
               <a:t>ערוך סגנונות טקסט של תבנית בסיס</a:t>
             </a:r>
           </a:p>
@@ -2091,7 +2096,7 @@
           <a:p>
             <a:fld id="{BE4C7591-B1FC-4832-BF0E-EB24DC105685}" type="datetimeFigureOut">
               <a:rPr lang="he-IL" smtClean="0"/>
-              <a:t>י"ח/טבת/תשפ"ה</a:t>
+              <a:t>י"ט/טבת/תשפ"ה</a:t>
             </a:fld>
             <a:endParaRPr lang="he-IL"/>
           </a:p>
@@ -2194,7 +2199,7 @@
           </a:lstStyle>
           <a:p>
             <a:r>
-              <a:rPr lang="he-IL" smtClean="0"/>
+              <a:rPr lang="he-IL"/>
               <a:t>לחץ כדי לערוך סגנון כותרת של תבנית בסיס</a:t>
             </a:r>
             <a:endParaRPr lang="en-US" dirty="0"/>
@@ -2259,7 +2264,7 @@
           </a:lstStyle>
           <a:p>
             <a:r>
-              <a:rPr lang="he-IL" smtClean="0"/>
+              <a:rPr lang="he-IL"/>
               <a:t>לחץ על הסמל כדי להוסיף תמונה</a:t>
             </a:r>
             <a:endParaRPr lang="en-US" dirty="0"/>
@@ -2325,7 +2330,7 @@
           <a:p>
             <a:pPr lvl="0"/>
             <a:r>
-              <a:rPr lang="he-IL" smtClean="0"/>
+              <a:rPr lang="he-IL"/>
               <a:t>ערוך סגנונות טקסט של תבנית בסיס</a:t>
             </a:r>
           </a:p>
@@ -2348,7 +2353,7 @@
           <a:p>
             <a:fld id="{BE4C7591-B1FC-4832-BF0E-EB24DC105685}" type="datetimeFigureOut">
               <a:rPr lang="he-IL" smtClean="0"/>
-              <a:t>י"ח/טבת/תשפ"ה</a:t>
+              <a:t>י"ט/טבת/תשפ"ה</a:t>
             </a:fld>
             <a:endParaRPr lang="he-IL"/>
           </a:p>
@@ -2457,7 +2462,7 @@
           <a:lstStyle/>
           <a:p>
             <a:r>
-              <a:rPr lang="he-IL" smtClean="0"/>
+              <a:rPr lang="he-IL"/>
               <a:t>לחץ כדי לערוך סגנון כותרת של תבנית בסיס</a:t>
             </a:r>
             <a:endParaRPr lang="en-US" dirty="0"/>
@@ -2491,35 +2496,35 @@
           <a:p>
             <a:pPr lvl="0"/>
             <a:r>
-              <a:rPr lang="he-IL" smtClean="0"/>
+              <a:rPr lang="he-IL"/>
               <a:t>ערוך סגנונות טקסט של תבנית בסיס</a:t>
             </a:r>
           </a:p>
           <a:p>
             <a:pPr lvl="1"/>
             <a:r>
-              <a:rPr lang="he-IL" smtClean="0"/>
+              <a:rPr lang="he-IL"/>
               <a:t>רמה שניה</a:t>
             </a:r>
           </a:p>
           <a:p>
             <a:pPr lvl="2"/>
             <a:r>
-              <a:rPr lang="he-IL" smtClean="0"/>
+              <a:rPr lang="he-IL"/>
               <a:t>רמה שלישית</a:t>
             </a:r>
           </a:p>
           <a:p>
             <a:pPr lvl="3"/>
             <a:r>
-              <a:rPr lang="he-IL" smtClean="0"/>
+              <a:rPr lang="he-IL"/>
               <a:t>רמה רביעית</a:t>
             </a:r>
           </a:p>
           <a:p>
             <a:pPr lvl="4"/>
             <a:r>
-              <a:rPr lang="he-IL" smtClean="0"/>
+              <a:rPr lang="he-IL"/>
               <a:t>רמה חמישית</a:t>
             </a:r>
             <a:endParaRPr lang="en-US" dirty="0"/>
@@ -2561,7 +2566,7 @@
           <a:p>
             <a:fld id="{BE4C7591-B1FC-4832-BF0E-EB24DC105685}" type="datetimeFigureOut">
               <a:rPr lang="he-IL" smtClean="0"/>
-              <a:t>י"ח/טבת/תשפ"ה</a:t>
+              <a:t>י"ט/טבת/תשפ"ה</a:t>
             </a:fld>
             <a:endParaRPr lang="he-IL"/>
           </a:p>
@@ -3017,7 +3022,7 @@
           <a:p>
             <a:pPr algn="ctr"/>
             <a:r>
-              <a:rPr lang="en-US" sz="1400" dirty="0" smtClean="0">
+              <a:rPr lang="en-US" sz="1400" dirty="0">
                 <a:solidFill>
                   <a:schemeClr val="tx1"/>
                 </a:solidFill>
@@ -3088,7 +3093,7 @@
           <a:p>
             <a:pPr algn="ctr"/>
             <a:r>
-              <a:rPr lang="en-US" sz="1400" dirty="0" smtClean="0">
+              <a:rPr lang="en-US" sz="1400" dirty="0">
                 <a:solidFill>
                   <a:schemeClr val="tx1"/>
                 </a:solidFill>
@@ -3096,14 +3101,14 @@
               <a:t>Load </a:t>
             </a:r>
             <a:r>
-              <a:rPr lang="en-US" sz="1400" dirty="0" err="1" smtClean="0">
+              <a:rPr lang="en-US" sz="1400" dirty="0" err="1">
                 <a:solidFill>
                   <a:schemeClr val="tx1"/>
                 </a:solidFill>
               </a:rPr>
               <a:t>cora.cites</a:t>
             </a:r>
-            <a:endParaRPr lang="he-IL" sz="1400" dirty="0" smtClean="0">
+            <a:endParaRPr lang="he-IL" sz="1400" dirty="0">
               <a:solidFill>
                 <a:schemeClr val="tx1"/>
               </a:solidFill>
@@ -3167,7 +3172,7 @@
           <a:p>
             <a:pPr algn="ctr"/>
             <a:r>
-              <a:rPr lang="en-US" sz="1400" dirty="0" smtClean="0">
+              <a:rPr lang="en-US" sz="1400" dirty="0">
                 <a:solidFill>
                   <a:schemeClr val="tx1"/>
                 </a:solidFill>
@@ -3175,14 +3180,14 @@
               <a:t>Load </a:t>
             </a:r>
             <a:r>
-              <a:rPr lang="en-US" sz="1400" dirty="0" err="1" smtClean="0">
+              <a:rPr lang="en-US" sz="1400" dirty="0" err="1">
                 <a:solidFill>
                   <a:schemeClr val="tx1"/>
                 </a:solidFill>
               </a:rPr>
               <a:t>cora.conent</a:t>
             </a:r>
-            <a:endParaRPr lang="he-IL" sz="1400" dirty="0" smtClean="0">
+            <a:endParaRPr lang="he-IL" sz="1400" dirty="0">
               <a:solidFill>
                 <a:schemeClr val="tx1"/>
               </a:solidFill>
@@ -3246,14 +3251,14 @@
           <a:p>
             <a:pPr algn="ctr"/>
             <a:r>
-              <a:rPr lang="en-US" sz="1400" dirty="0" smtClean="0">
+              <a:rPr lang="en-US" sz="1400" dirty="0">
                 <a:solidFill>
                   <a:schemeClr val="tx1"/>
                 </a:solidFill>
               </a:rPr>
               <a:t>Build graph object</a:t>
             </a:r>
-            <a:endParaRPr lang="he-IL" sz="1400" dirty="0" smtClean="0">
+            <a:endParaRPr lang="he-IL" sz="1400" dirty="0">
               <a:solidFill>
                 <a:schemeClr val="tx1"/>
               </a:solidFill>
@@ -3317,14 +3322,14 @@
           <a:p>
             <a:pPr algn="ctr"/>
             <a:r>
-              <a:rPr lang="en-US" sz="1400" dirty="0" smtClean="0">
+              <a:rPr lang="en-US" sz="1400" dirty="0">
                 <a:solidFill>
                   <a:schemeClr val="tx1"/>
                 </a:solidFill>
               </a:rPr>
               <a:t>Create alias graph</a:t>
             </a:r>
-            <a:endParaRPr lang="he-IL" sz="1400" dirty="0" smtClean="0">
+            <a:endParaRPr lang="he-IL" sz="1400" dirty="0">
               <a:solidFill>
                 <a:schemeClr val="tx1"/>
               </a:solidFill>
@@ -3388,14 +3393,14 @@
           <a:p>
             <a:pPr algn="ctr"/>
             <a:r>
-              <a:rPr lang="en-US" sz="1400" dirty="0" smtClean="0">
+              <a:rPr lang="en-US" sz="1400" dirty="0">
                 <a:solidFill>
                   <a:schemeClr val="tx1"/>
                 </a:solidFill>
               </a:rPr>
               <a:t>Create random walks</a:t>
             </a:r>
-            <a:endParaRPr lang="he-IL" sz="1400" dirty="0" smtClean="0">
+            <a:endParaRPr lang="he-IL" sz="1400" dirty="0">
               <a:solidFill>
                 <a:schemeClr val="tx1"/>
               </a:solidFill>
@@ -3459,7 +3464,7 @@
           <a:p>
             <a:pPr algn="ctr"/>
             <a:r>
-              <a:rPr lang="en-US" sz="1400" dirty="0" smtClean="0">
+              <a:rPr lang="en-US" sz="1400" dirty="0">
                 <a:solidFill>
                   <a:schemeClr val="tx1"/>
                 </a:solidFill>
@@ -3467,7 +3472,7 @@
               <a:t>Is </a:t>
             </a:r>
             <a:r>
-              <a:rPr lang="en-US" sz="1400" dirty="0" err="1" smtClean="0">
+              <a:rPr lang="en-US" sz="1400" dirty="0" err="1">
                 <a:solidFill>
                   <a:schemeClr val="tx1"/>
                 </a:solidFill>
@@ -3475,14 +3480,14 @@
               <a:t>deepwalk</a:t>
             </a:r>
             <a:r>
-              <a:rPr lang="en-US" sz="1400" dirty="0" smtClean="0">
+              <a:rPr lang="en-US" sz="1400" dirty="0">
                 <a:solidFill>
                   <a:schemeClr val="tx1"/>
                 </a:solidFill>
               </a:rPr>
               <a:t>?</a:t>
             </a:r>
-            <a:endParaRPr lang="he-IL" sz="1400" dirty="0" smtClean="0">
+            <a:endParaRPr lang="he-IL" sz="1400" dirty="0">
               <a:solidFill>
                 <a:schemeClr val="tx1"/>
               </a:solidFill>
@@ -3546,14 +3551,14 @@
           <a:p>
             <a:pPr algn="ctr"/>
             <a:r>
-              <a:rPr lang="en-US" sz="1400" dirty="0" smtClean="0">
+              <a:rPr lang="en-US" sz="1400" dirty="0">
                 <a:solidFill>
                   <a:schemeClr val="tx1"/>
                 </a:solidFill>
               </a:rPr>
               <a:t>alias with p=1</a:t>
             </a:r>
-            <a:endParaRPr lang="he-IL" sz="1400" dirty="0" smtClean="0">
+            <a:endParaRPr lang="he-IL" sz="1400" dirty="0">
               <a:solidFill>
                 <a:schemeClr val="tx1"/>
               </a:solidFill>
@@ -3617,14 +3622,14 @@
           <a:p>
             <a:pPr algn="ctr"/>
             <a:r>
-              <a:rPr lang="en-US" sz="1400" dirty="0" smtClean="0">
+              <a:rPr lang="en-US" sz="1400" dirty="0">
                 <a:solidFill>
                   <a:schemeClr val="tx1"/>
                 </a:solidFill>
               </a:rPr>
               <a:t>alias with p=5</a:t>
             </a:r>
-            <a:endParaRPr lang="he-IL" sz="1400" dirty="0" smtClean="0">
+            <a:endParaRPr lang="he-IL" sz="1400" dirty="0">
               <a:solidFill>
                 <a:schemeClr val="tx1"/>
               </a:solidFill>
@@ -3688,14 +3693,14 @@
           <a:p>
             <a:pPr algn="ctr"/>
             <a:r>
-              <a:rPr lang="en-US" sz="1400" dirty="0" smtClean="0">
+              <a:rPr lang="en-US" sz="1400" dirty="0">
                 <a:solidFill>
                   <a:schemeClr val="tx1"/>
                 </a:solidFill>
               </a:rPr>
               <a:t>Build Word2Vec model</a:t>
             </a:r>
-            <a:endParaRPr lang="he-IL" sz="1400" dirty="0" smtClean="0">
+            <a:endParaRPr lang="he-IL" sz="1400" dirty="0">
               <a:solidFill>
                 <a:schemeClr val="tx1"/>
               </a:solidFill>
@@ -3759,14 +3764,14 @@
           <a:p>
             <a:pPr algn="ctr"/>
             <a:r>
-              <a:rPr lang="en-US" sz="1400" dirty="0" smtClean="0">
+              <a:rPr lang="en-US" sz="1400" dirty="0">
                 <a:solidFill>
                   <a:schemeClr val="tx1"/>
                 </a:solidFill>
               </a:rPr>
               <a:t>Save model</a:t>
             </a:r>
-            <a:endParaRPr lang="he-IL" sz="1400" dirty="0" smtClean="0">
+            <a:endParaRPr lang="he-IL" sz="1400" dirty="0">
               <a:solidFill>
                 <a:schemeClr val="tx1"/>
               </a:solidFill>
@@ -3830,14 +3835,14 @@
           <a:p>
             <a:pPr algn="ctr"/>
             <a:r>
-              <a:rPr lang="en-US" sz="1400" dirty="0" smtClean="0">
+              <a:rPr lang="en-US" sz="1400" dirty="0">
                 <a:solidFill>
                   <a:schemeClr val="tx1"/>
                 </a:solidFill>
               </a:rPr>
               <a:t>create train set</a:t>
             </a:r>
-            <a:endParaRPr lang="he-IL" sz="1400" dirty="0" smtClean="0">
+            <a:endParaRPr lang="he-IL" sz="1400" dirty="0">
               <a:solidFill>
                 <a:schemeClr val="tx1"/>
               </a:solidFill>
@@ -3901,14 +3906,14 @@
           <a:p>
             <a:pPr algn="ctr"/>
             <a:r>
-              <a:rPr lang="en-US" sz="1400" dirty="0" smtClean="0">
+              <a:rPr lang="en-US" sz="1400" dirty="0">
                 <a:solidFill>
                   <a:schemeClr val="tx1"/>
                 </a:solidFill>
               </a:rPr>
               <a:t>create test set</a:t>
             </a:r>
-            <a:endParaRPr lang="he-IL" sz="1400" dirty="0" smtClean="0">
+            <a:endParaRPr lang="he-IL" sz="1400" dirty="0">
               <a:solidFill>
                 <a:schemeClr val="tx1"/>
               </a:solidFill>
@@ -3972,7 +3977,7 @@
           <a:p>
             <a:pPr algn="ctr"/>
             <a:r>
-              <a:rPr lang="en-US" sz="1400" dirty="0" smtClean="0">
+              <a:rPr lang="en-US" sz="1400" dirty="0">
                 <a:solidFill>
                   <a:schemeClr val="tx1"/>
                 </a:solidFill>
@@ -3980,7 +3985,7 @@
               <a:t>Create </a:t>
             </a:r>
             <a:r>
-              <a:rPr lang="en-US" sz="1400" dirty="0" err="1" smtClean="0">
+              <a:rPr lang="en-US" sz="1400" dirty="0" err="1">
                 <a:solidFill>
                   <a:schemeClr val="tx1"/>
                 </a:solidFill>
@@ -3988,14 +3993,14 @@
               <a:t>LogisticRegression</a:t>
             </a:r>
             <a:r>
-              <a:rPr lang="en-US" sz="1400" dirty="0" smtClean="0">
+              <a:rPr lang="en-US" sz="1400" dirty="0">
                 <a:solidFill>
                   <a:schemeClr val="tx1"/>
                 </a:solidFill>
               </a:rPr>
               <a:t> Classifier</a:t>
             </a:r>
-            <a:endParaRPr lang="he-IL" sz="1400" dirty="0" smtClean="0">
+            <a:endParaRPr lang="he-IL" sz="1400" dirty="0">
               <a:solidFill>
                 <a:schemeClr val="tx1"/>
               </a:solidFill>
@@ -4059,14 +4064,14 @@
           <a:p>
             <a:pPr algn="ctr"/>
             <a:r>
-              <a:rPr lang="en-US" sz="1400" dirty="0" smtClean="0">
+              <a:rPr lang="en-US" sz="1400" dirty="0">
                 <a:solidFill>
                   <a:schemeClr val="tx1"/>
                 </a:solidFill>
               </a:rPr>
               <a:t>Fit train set</a:t>
             </a:r>
-            <a:endParaRPr lang="he-IL" sz="1400" dirty="0" smtClean="0">
+            <a:endParaRPr lang="he-IL" sz="1400" dirty="0">
               <a:solidFill>
                 <a:schemeClr val="tx1"/>
               </a:solidFill>
@@ -4130,14 +4135,14 @@
           <a:p>
             <a:pPr algn="ctr"/>
             <a:r>
-              <a:rPr lang="en-US" sz="1400" dirty="0" smtClean="0">
+              <a:rPr lang="en-US" sz="1400" dirty="0">
                 <a:solidFill>
                   <a:schemeClr val="tx1"/>
                 </a:solidFill>
               </a:rPr>
               <a:t>Predict test set</a:t>
             </a:r>
-            <a:endParaRPr lang="he-IL" sz="1400" dirty="0" smtClean="0">
+            <a:endParaRPr lang="he-IL" sz="1400" dirty="0">
               <a:solidFill>
                 <a:schemeClr val="tx1"/>
               </a:solidFill>
@@ -4201,22 +4206,14 @@
           <a:p>
             <a:pPr algn="ctr"/>
             <a:r>
-              <a:rPr lang="en-US" sz="1400" dirty="0" smtClean="0">
+              <a:rPr lang="en-US" sz="1400" dirty="0">
                 <a:solidFill>
                   <a:schemeClr val="tx1"/>
                 </a:solidFill>
               </a:rPr>
-              <a:t>Print </a:t>
-            </a:r>
-            <a:r>
-              <a:rPr lang="en-US" sz="1400" dirty="0" err="1" smtClean="0">
-                <a:solidFill>
-                  <a:schemeClr val="tx1"/>
-                </a:solidFill>
-              </a:rPr>
-              <a:t>accurecy</a:t>
-            </a:r>
-            <a:endParaRPr lang="he-IL" sz="1400" dirty="0" smtClean="0">
+              <a:t>Print accuracy</a:t>
+            </a:r>
+            <a:endParaRPr lang="he-IL" sz="1400" dirty="0">
               <a:solidFill>
                 <a:schemeClr val="tx1"/>
               </a:solidFill>
@@ -4275,7 +4272,7 @@
           <a:p>
             <a:pPr algn="ctr"/>
             <a:r>
-              <a:rPr lang="en-US" sz="1400" dirty="0" smtClean="0">
+              <a:rPr lang="en-US" sz="1400" dirty="0">
                 <a:solidFill>
                   <a:schemeClr val="tx1"/>
                 </a:solidFill>
@@ -4586,7 +4583,7 @@
           <a:lstStyle/>
           <a:p>
             <a:r>
-              <a:rPr lang="en-US" sz="1200" dirty="0" smtClean="0"/>
+              <a:rPr lang="en-US" sz="1200" dirty="0"/>
               <a:t>yes</a:t>
             </a:r>
             <a:endParaRPr lang="he-IL" sz="1200" dirty="0"/>
@@ -4616,7 +4613,7 @@
           <a:lstStyle/>
           <a:p>
             <a:r>
-              <a:rPr lang="en-US" sz="1200" dirty="0" smtClean="0"/>
+              <a:rPr lang="en-US" sz="1200" dirty="0"/>
               <a:t>no</a:t>
             </a:r>
             <a:endParaRPr lang="he-IL" sz="1200" dirty="0"/>

--- a/graphs/diagrams.pptx
+++ b/graphs/diagrams.pptx
@@ -6,6 +6,7 @@
   </p:sldMasterIdLst>
   <p:sldIdLst>
     <p:sldId id="256" r:id="rId2"/>
+    <p:sldId id="257" r:id="rId3"/>
   </p:sldIdLst>
   <p:sldSz cx="36312475" cy="36018788"/>
   <p:notesSz cx="6858000" cy="9144000"/>
@@ -243,7 +244,7 @@
           <a:p>
             <a:fld id="{BE4C7591-B1FC-4832-BF0E-EB24DC105685}" type="datetimeFigureOut">
               <a:rPr lang="he-IL" smtClean="0"/>
-              <a:t>י"ט/טבת/תשפ"ה</a:t>
+              <a:t>כ"ד/טבת/תשפ"ה</a:t>
             </a:fld>
             <a:endParaRPr lang="he-IL"/>
           </a:p>
@@ -413,7 +414,7 @@
           <a:p>
             <a:fld id="{BE4C7591-B1FC-4832-BF0E-EB24DC105685}" type="datetimeFigureOut">
               <a:rPr lang="he-IL" smtClean="0"/>
-              <a:t>י"ט/טבת/תשפ"ה</a:t>
+              <a:t>כ"ד/טבת/תשפ"ה</a:t>
             </a:fld>
             <a:endParaRPr lang="he-IL"/>
           </a:p>
@@ -593,7 +594,7 @@
           <a:p>
             <a:fld id="{BE4C7591-B1FC-4832-BF0E-EB24DC105685}" type="datetimeFigureOut">
               <a:rPr lang="he-IL" smtClean="0"/>
-              <a:t>י"ט/טבת/תשפ"ה</a:t>
+              <a:t>כ"ד/טבת/תשפ"ה</a:t>
             </a:fld>
             <a:endParaRPr lang="he-IL"/>
           </a:p>
@@ -763,7 +764,7 @@
           <a:p>
             <a:fld id="{BE4C7591-B1FC-4832-BF0E-EB24DC105685}" type="datetimeFigureOut">
               <a:rPr lang="he-IL" smtClean="0"/>
-              <a:t>י"ט/טבת/תשפ"ה</a:t>
+              <a:t>כ"ד/טבת/תשפ"ה</a:t>
             </a:fld>
             <a:endParaRPr lang="he-IL"/>
           </a:p>
@@ -1007,7 +1008,7 @@
           <a:p>
             <a:fld id="{BE4C7591-B1FC-4832-BF0E-EB24DC105685}" type="datetimeFigureOut">
               <a:rPr lang="he-IL" smtClean="0"/>
-              <a:t>י"ט/טבת/תשפ"ה</a:t>
+              <a:t>כ"ד/טבת/תשפ"ה</a:t>
             </a:fld>
             <a:endParaRPr lang="he-IL"/>
           </a:p>
@@ -1239,7 +1240,7 @@
           <a:p>
             <a:fld id="{BE4C7591-B1FC-4832-BF0E-EB24DC105685}" type="datetimeFigureOut">
               <a:rPr lang="he-IL" smtClean="0"/>
-              <a:t>י"ט/טבת/תשפ"ה</a:t>
+              <a:t>כ"ד/טבת/תשפ"ה</a:t>
             </a:fld>
             <a:endParaRPr lang="he-IL"/>
           </a:p>
@@ -1606,7 +1607,7 @@
           <a:p>
             <a:fld id="{BE4C7591-B1FC-4832-BF0E-EB24DC105685}" type="datetimeFigureOut">
               <a:rPr lang="he-IL" smtClean="0"/>
-              <a:t>י"ט/טבת/תשפ"ה</a:t>
+              <a:t>כ"ד/טבת/תשפ"ה</a:t>
             </a:fld>
             <a:endParaRPr lang="he-IL"/>
           </a:p>
@@ -1724,7 +1725,7 @@
           <a:p>
             <a:fld id="{BE4C7591-B1FC-4832-BF0E-EB24DC105685}" type="datetimeFigureOut">
               <a:rPr lang="he-IL" smtClean="0"/>
-              <a:t>י"ט/טבת/תשפ"ה</a:t>
+              <a:t>כ"ד/טבת/תשפ"ה</a:t>
             </a:fld>
             <a:endParaRPr lang="he-IL"/>
           </a:p>
@@ -1819,7 +1820,7 @@
           <a:p>
             <a:fld id="{BE4C7591-B1FC-4832-BF0E-EB24DC105685}" type="datetimeFigureOut">
               <a:rPr lang="he-IL" smtClean="0"/>
-              <a:t>י"ט/טבת/תשפ"ה</a:t>
+              <a:t>כ"ד/טבת/תשפ"ה</a:t>
             </a:fld>
             <a:endParaRPr lang="he-IL"/>
           </a:p>
@@ -2096,7 +2097,7 @@
           <a:p>
             <a:fld id="{BE4C7591-B1FC-4832-BF0E-EB24DC105685}" type="datetimeFigureOut">
               <a:rPr lang="he-IL" smtClean="0"/>
-              <a:t>י"ט/טבת/תשפ"ה</a:t>
+              <a:t>כ"ד/טבת/תשפ"ה</a:t>
             </a:fld>
             <a:endParaRPr lang="he-IL"/>
           </a:p>
@@ -2353,7 +2354,7 @@
           <a:p>
             <a:fld id="{BE4C7591-B1FC-4832-BF0E-EB24DC105685}" type="datetimeFigureOut">
               <a:rPr lang="he-IL" smtClean="0"/>
-              <a:t>י"ט/טבת/תשפ"ה</a:t>
+              <a:t>כ"ד/טבת/תשפ"ה</a:t>
             </a:fld>
             <a:endParaRPr lang="he-IL"/>
           </a:p>
@@ -2566,7 +2567,7 @@
           <a:p>
             <a:fld id="{BE4C7591-B1FC-4832-BF0E-EB24DC105685}" type="datetimeFigureOut">
               <a:rPr lang="he-IL" smtClean="0"/>
-              <a:t>י"ט/טבת/תשפ"ה</a:t>
+              <a:t>כ"ד/טבת/תשפ"ה</a:t>
             </a:fld>
             <a:endParaRPr lang="he-IL"/>
           </a:p>
@@ -3982,23 +3983,7 @@
                   <a:schemeClr val="tx1"/>
                 </a:solidFill>
               </a:rPr>
-              <a:t>Create </a:t>
-            </a:r>
-            <a:r>
-              <a:rPr lang="en-US" sz="1400" dirty="0" err="1">
-                <a:solidFill>
-                  <a:schemeClr val="tx1"/>
-                </a:solidFill>
-              </a:rPr>
-              <a:t>LogisticRegression</a:t>
-            </a:r>
-            <a:r>
-              <a:rPr lang="en-US" sz="1400" dirty="0">
-                <a:solidFill>
-                  <a:schemeClr val="tx1"/>
-                </a:solidFill>
-              </a:rPr>
-              <a:t> Classifier</a:t>
+              <a:t>Create LogisticRegression Classifier</a:t>
             </a:r>
             <a:endParaRPr lang="he-IL" sz="1400" dirty="0">
               <a:solidFill>
@@ -5059,6 +5044,1525 @@
   <p:clrMapOvr>
     <a:masterClrMapping/>
   </p:clrMapOvr>
+</p:sld>
+</file>
+
+<file path=ppt/slides/slide2.xml><?xml version="1.0" encoding="utf-8"?>
+<p:sld xmlns:a="http://schemas.openxmlformats.org/drawingml/2006/main" xmlns:r="http://schemas.openxmlformats.org/officeDocument/2006/relationships" xmlns:p="http://schemas.openxmlformats.org/presentationml/2006/main">
+  <p:cSld>
+    <p:spTree>
+      <p:nvGrpSpPr>
+        <p:cNvPr id="1" name=""/>
+        <p:cNvGrpSpPr/>
+        <p:nvPr/>
+      </p:nvGrpSpPr>
+      <p:grpSpPr>
+        <a:xfrm>
+          <a:off x="0" y="0"/>
+          <a:ext cx="0" cy="0"/>
+          <a:chOff x="0" y="0"/>
+          <a:chExt cx="0" cy="0"/>
+        </a:xfrm>
+      </p:grpSpPr>
+      <p:sp>
+        <p:nvSpPr>
+          <p:cNvPr id="4" name="מלבן 3"/>
+          <p:cNvSpPr/>
+          <p:nvPr/>
+        </p:nvSpPr>
+        <p:spPr>
+          <a:xfrm>
+            <a:off x="12944476" y="13068300"/>
+            <a:ext cx="2057400" cy="942975"/>
+          </a:xfrm>
+          <a:prstGeom prst="rect">
+            <a:avLst/>
+          </a:prstGeom>
+          <a:solidFill>
+            <a:schemeClr val="accent5">
+              <a:lumMod val="60000"/>
+              <a:lumOff val="40000"/>
+            </a:schemeClr>
+          </a:solidFill>
+          <a:ln>
+            <a:solidFill>
+              <a:schemeClr val="tx1">
+                <a:lumMod val="95000"/>
+                <a:lumOff val="5000"/>
+              </a:schemeClr>
+            </a:solidFill>
+          </a:ln>
+        </p:spPr>
+        <p:style>
+          <a:lnRef idx="2">
+            <a:schemeClr val="accent1">
+              <a:shade val="50000"/>
+            </a:schemeClr>
+          </a:lnRef>
+          <a:fillRef idx="1">
+            <a:schemeClr val="accent1"/>
+          </a:fillRef>
+          <a:effectRef idx="0">
+            <a:schemeClr val="accent1"/>
+          </a:effectRef>
+          <a:fontRef idx="minor">
+            <a:schemeClr val="lt1"/>
+          </a:fontRef>
+        </p:style>
+        <p:txBody>
+          <a:bodyPr rtlCol="1" anchor="ctr"/>
+          <a:lstStyle/>
+          <a:p>
+            <a:pPr algn="ctr"/>
+            <a:r>
+              <a:rPr lang="en-US" sz="2400" dirty="0" smtClean="0">
+                <a:solidFill>
+                  <a:schemeClr val="tx1"/>
+                </a:solidFill>
+              </a:rPr>
+              <a:t>Cora Content</a:t>
+            </a:r>
+          </a:p>
+          <a:p>
+            <a:pPr algn="ctr"/>
+            <a:r>
+              <a:rPr lang="en-US" sz="2400" dirty="0" smtClean="0">
+                <a:solidFill>
+                  <a:schemeClr val="tx1"/>
+                </a:solidFill>
+              </a:rPr>
+              <a:t>(Nodes)</a:t>
+            </a:r>
+            <a:endParaRPr lang="he-IL" sz="2400" dirty="0" smtClean="0">
+              <a:solidFill>
+                <a:schemeClr val="tx1"/>
+              </a:solidFill>
+            </a:endParaRPr>
+          </a:p>
+        </p:txBody>
+      </p:sp>
+      <p:sp>
+        <p:nvSpPr>
+          <p:cNvPr id="5" name="מלבן 4"/>
+          <p:cNvSpPr/>
+          <p:nvPr/>
+        </p:nvSpPr>
+        <p:spPr>
+          <a:xfrm>
+            <a:off x="16973551" y="13068299"/>
+            <a:ext cx="2057400" cy="942975"/>
+          </a:xfrm>
+          <a:prstGeom prst="rect">
+            <a:avLst/>
+          </a:prstGeom>
+          <a:solidFill>
+            <a:schemeClr val="accent5">
+              <a:lumMod val="60000"/>
+              <a:lumOff val="40000"/>
+            </a:schemeClr>
+          </a:solidFill>
+          <a:ln>
+            <a:solidFill>
+              <a:schemeClr val="tx1">
+                <a:lumMod val="95000"/>
+                <a:lumOff val="5000"/>
+              </a:schemeClr>
+            </a:solidFill>
+          </a:ln>
+        </p:spPr>
+        <p:style>
+          <a:lnRef idx="2">
+            <a:schemeClr val="accent1">
+              <a:shade val="50000"/>
+            </a:schemeClr>
+          </a:lnRef>
+          <a:fillRef idx="1">
+            <a:schemeClr val="accent1"/>
+          </a:fillRef>
+          <a:effectRef idx="0">
+            <a:schemeClr val="accent1"/>
+          </a:effectRef>
+          <a:fontRef idx="minor">
+            <a:schemeClr val="lt1"/>
+          </a:fontRef>
+        </p:style>
+        <p:txBody>
+          <a:bodyPr rtlCol="1" anchor="ctr"/>
+          <a:lstStyle/>
+          <a:p>
+            <a:pPr algn="ctr"/>
+            <a:r>
+              <a:rPr lang="en-US" sz="2400" dirty="0" smtClean="0">
+                <a:solidFill>
+                  <a:schemeClr val="tx1"/>
+                </a:solidFill>
+              </a:rPr>
+              <a:t>Cora Cites</a:t>
+            </a:r>
+          </a:p>
+          <a:p>
+            <a:pPr algn="ctr"/>
+            <a:r>
+              <a:rPr lang="en-US" sz="2400" dirty="0" smtClean="0">
+                <a:solidFill>
+                  <a:schemeClr val="tx1"/>
+                </a:solidFill>
+              </a:rPr>
+              <a:t>(Edges)</a:t>
+            </a:r>
+            <a:endParaRPr lang="he-IL" sz="2400" dirty="0" smtClean="0">
+              <a:solidFill>
+                <a:schemeClr val="tx1"/>
+              </a:solidFill>
+            </a:endParaRPr>
+          </a:p>
+        </p:txBody>
+      </p:sp>
+      <p:sp>
+        <p:nvSpPr>
+          <p:cNvPr id="6" name="TextBox 5"/>
+          <p:cNvSpPr txBox="1"/>
+          <p:nvPr/>
+        </p:nvSpPr>
+        <p:spPr>
+          <a:xfrm>
+            <a:off x="11753850" y="14151903"/>
+            <a:ext cx="2258182" cy="400110"/>
+          </a:xfrm>
+          <a:prstGeom prst="rect">
+            <a:avLst/>
+          </a:prstGeom>
+          <a:noFill/>
+        </p:spPr>
+        <p:txBody>
+          <a:bodyPr wrap="none" rtlCol="1">
+            <a:spAutoFit/>
+          </a:bodyPr>
+          <a:lstStyle/>
+          <a:p>
+            <a:pPr algn="l" rtl="0"/>
+            <a:r>
+              <a:rPr lang="en-US" sz="2000" dirty="0" smtClean="0"/>
+              <a:t>2,709 x 1435 Matrix</a:t>
+            </a:r>
+            <a:endParaRPr lang="he-IL" sz="2000" dirty="0"/>
+          </a:p>
+        </p:txBody>
+      </p:sp>
+      <p:sp>
+        <p:nvSpPr>
+          <p:cNvPr id="7" name="TextBox 6"/>
+          <p:cNvSpPr txBox="1"/>
+          <p:nvPr/>
+        </p:nvSpPr>
+        <p:spPr>
+          <a:xfrm>
+            <a:off x="18249023" y="14151903"/>
+            <a:ext cx="1868653" cy="400110"/>
+          </a:xfrm>
+          <a:prstGeom prst="rect">
+            <a:avLst/>
+          </a:prstGeom>
+          <a:noFill/>
+        </p:spPr>
+        <p:txBody>
+          <a:bodyPr wrap="none" rtlCol="1">
+            <a:spAutoFit/>
+          </a:bodyPr>
+          <a:lstStyle/>
+          <a:p>
+            <a:pPr algn="l" rtl="0"/>
+            <a:r>
+              <a:rPr lang="en-US" sz="2000" dirty="0" smtClean="0"/>
+              <a:t>5,429 x 2 Matrix</a:t>
+            </a:r>
+            <a:endParaRPr lang="he-IL" sz="2000" dirty="0"/>
+          </a:p>
+        </p:txBody>
+      </p:sp>
+      <p:sp>
+        <p:nvSpPr>
+          <p:cNvPr id="8" name="מלבן 7"/>
+          <p:cNvSpPr/>
+          <p:nvPr/>
+        </p:nvSpPr>
+        <p:spPr>
+          <a:xfrm>
+            <a:off x="11753850" y="14897100"/>
+            <a:ext cx="8820150" cy="981075"/>
+          </a:xfrm>
+          <a:prstGeom prst="rect">
+            <a:avLst/>
+          </a:prstGeom>
+          <a:solidFill>
+            <a:schemeClr val="accent5">
+              <a:lumMod val="60000"/>
+              <a:lumOff val="40000"/>
+            </a:schemeClr>
+          </a:solidFill>
+          <a:ln>
+            <a:solidFill>
+              <a:schemeClr val="tx1">
+                <a:lumMod val="95000"/>
+                <a:lumOff val="5000"/>
+              </a:schemeClr>
+            </a:solidFill>
+          </a:ln>
+        </p:spPr>
+        <p:style>
+          <a:lnRef idx="2">
+            <a:schemeClr val="accent1">
+              <a:shade val="50000"/>
+            </a:schemeClr>
+          </a:lnRef>
+          <a:fillRef idx="1">
+            <a:schemeClr val="accent1"/>
+          </a:fillRef>
+          <a:effectRef idx="0">
+            <a:schemeClr val="accent1"/>
+          </a:effectRef>
+          <a:fontRef idx="minor">
+            <a:schemeClr val="lt1"/>
+          </a:fontRef>
+        </p:style>
+        <p:txBody>
+          <a:bodyPr rtlCol="1" anchor="ctr"/>
+          <a:lstStyle/>
+          <a:p>
+            <a:pPr algn="ctr"/>
+            <a:r>
+              <a:rPr lang="en-US" sz="2800" dirty="0" smtClean="0">
+                <a:solidFill>
+                  <a:schemeClr val="tx1"/>
+                </a:solidFill>
+              </a:rPr>
+              <a:t>load_graph()</a:t>
+            </a:r>
+            <a:endParaRPr lang="he-IL" sz="2800" dirty="0" smtClean="0">
+              <a:solidFill>
+                <a:schemeClr val="tx1"/>
+              </a:solidFill>
+            </a:endParaRPr>
+          </a:p>
+        </p:txBody>
+      </p:sp>
+      <p:cxnSp>
+        <p:nvCxnSpPr>
+          <p:cNvPr id="12" name="מחבר חץ ישר 11"/>
+          <p:cNvCxnSpPr>
+            <a:stCxn id="4" idx="2"/>
+          </p:cNvCxnSpPr>
+          <p:nvPr/>
+        </p:nvCxnSpPr>
+        <p:spPr>
+          <a:xfrm flipH="1">
+            <a:off x="13973175" y="14011275"/>
+            <a:ext cx="1" cy="781050"/>
+          </a:xfrm>
+          <a:prstGeom prst="straightConnector1">
+            <a:avLst/>
+          </a:prstGeom>
+          <a:ln>
+            <a:tailEnd type="triangle"/>
+          </a:ln>
+        </p:spPr>
+        <p:style>
+          <a:lnRef idx="3">
+            <a:schemeClr val="dk1"/>
+          </a:lnRef>
+          <a:fillRef idx="0">
+            <a:schemeClr val="dk1"/>
+          </a:fillRef>
+          <a:effectRef idx="2">
+            <a:schemeClr val="dk1"/>
+          </a:effectRef>
+          <a:fontRef idx="minor">
+            <a:schemeClr val="tx1"/>
+          </a:fontRef>
+        </p:style>
+      </p:cxnSp>
+      <p:cxnSp>
+        <p:nvCxnSpPr>
+          <p:cNvPr id="13" name="מחבר חץ ישר 12"/>
+          <p:cNvCxnSpPr/>
+          <p:nvPr/>
+        </p:nvCxnSpPr>
+        <p:spPr>
+          <a:xfrm flipH="1">
+            <a:off x="18078450" y="14011275"/>
+            <a:ext cx="1" cy="781050"/>
+          </a:xfrm>
+          <a:prstGeom prst="straightConnector1">
+            <a:avLst/>
+          </a:prstGeom>
+          <a:ln>
+            <a:tailEnd type="triangle"/>
+          </a:ln>
+        </p:spPr>
+        <p:style>
+          <a:lnRef idx="3">
+            <a:schemeClr val="dk1"/>
+          </a:lnRef>
+          <a:fillRef idx="0">
+            <a:schemeClr val="dk1"/>
+          </a:fillRef>
+          <a:effectRef idx="2">
+            <a:schemeClr val="dk1"/>
+          </a:effectRef>
+          <a:fontRef idx="minor">
+            <a:schemeClr val="tx1"/>
+          </a:fontRef>
+        </p:style>
+      </p:cxnSp>
+      <p:cxnSp>
+        <p:nvCxnSpPr>
+          <p:cNvPr id="14" name="מחבר חץ ישר 13"/>
+          <p:cNvCxnSpPr/>
+          <p:nvPr/>
+        </p:nvCxnSpPr>
+        <p:spPr>
+          <a:xfrm flipH="1">
+            <a:off x="16163925" y="15878175"/>
+            <a:ext cx="1" cy="781050"/>
+          </a:xfrm>
+          <a:prstGeom prst="straightConnector1">
+            <a:avLst/>
+          </a:prstGeom>
+          <a:ln>
+            <a:tailEnd type="triangle"/>
+          </a:ln>
+        </p:spPr>
+        <p:style>
+          <a:lnRef idx="3">
+            <a:schemeClr val="dk1"/>
+          </a:lnRef>
+          <a:fillRef idx="0">
+            <a:schemeClr val="dk1"/>
+          </a:fillRef>
+          <a:effectRef idx="2">
+            <a:schemeClr val="dk1"/>
+          </a:effectRef>
+          <a:fontRef idx="minor">
+            <a:schemeClr val="tx1"/>
+          </a:fontRef>
+        </p:style>
+      </p:cxnSp>
+      <p:sp>
+        <p:nvSpPr>
+          <p:cNvPr id="16" name="TextBox 15"/>
+          <p:cNvSpPr txBox="1"/>
+          <p:nvPr/>
+        </p:nvSpPr>
+        <p:spPr>
+          <a:xfrm>
+            <a:off x="16199589" y="16068645"/>
+            <a:ext cx="1547924" cy="400110"/>
+          </a:xfrm>
+          <a:prstGeom prst="rect">
+            <a:avLst/>
+          </a:prstGeom>
+          <a:noFill/>
+        </p:spPr>
+        <p:txBody>
+          <a:bodyPr wrap="none" rtlCol="1">
+            <a:spAutoFit/>
+          </a:bodyPr>
+          <a:lstStyle/>
+          <a:p>
+            <a:r>
+              <a:rPr lang="en-US" sz="2000" dirty="0" smtClean="0"/>
+              <a:t>1 Cora Graph</a:t>
+            </a:r>
+            <a:endParaRPr lang="he-IL" sz="2000" dirty="0"/>
+          </a:p>
+        </p:txBody>
+      </p:sp>
+      <p:sp>
+        <p:nvSpPr>
+          <p:cNvPr id="17" name="מלבן 16"/>
+          <p:cNvSpPr/>
+          <p:nvPr/>
+        </p:nvSpPr>
+        <p:spPr>
+          <a:xfrm>
+            <a:off x="11753850" y="16678275"/>
+            <a:ext cx="8820150" cy="981075"/>
+          </a:xfrm>
+          <a:prstGeom prst="rect">
+            <a:avLst/>
+          </a:prstGeom>
+          <a:solidFill>
+            <a:schemeClr val="accent5">
+              <a:lumMod val="60000"/>
+              <a:lumOff val="40000"/>
+            </a:schemeClr>
+          </a:solidFill>
+          <a:ln>
+            <a:solidFill>
+              <a:schemeClr val="tx1">
+                <a:lumMod val="95000"/>
+                <a:lumOff val="5000"/>
+              </a:schemeClr>
+            </a:solidFill>
+          </a:ln>
+        </p:spPr>
+        <p:style>
+          <a:lnRef idx="2">
+            <a:schemeClr val="accent1">
+              <a:shade val="50000"/>
+            </a:schemeClr>
+          </a:lnRef>
+          <a:fillRef idx="1">
+            <a:schemeClr val="accent1"/>
+          </a:fillRef>
+          <a:effectRef idx="0">
+            <a:schemeClr val="accent1"/>
+          </a:effectRef>
+          <a:fontRef idx="minor">
+            <a:schemeClr val="lt1"/>
+          </a:fontRef>
+        </p:style>
+        <p:txBody>
+          <a:bodyPr rtlCol="1" anchor="ctr"/>
+          <a:lstStyle/>
+          <a:p>
+            <a:pPr algn="ctr"/>
+            <a:r>
+              <a:rPr lang="en-US" sz="2800" dirty="0">
+                <a:solidFill>
+                  <a:schemeClr val="tx1"/>
+                </a:solidFill>
+              </a:rPr>
+              <a:t>preprocess_transition_probs()</a:t>
+            </a:r>
+            <a:endParaRPr lang="he-IL" sz="2800" dirty="0" smtClean="0">
+              <a:solidFill>
+                <a:schemeClr val="tx1"/>
+              </a:solidFill>
+            </a:endParaRPr>
+          </a:p>
+        </p:txBody>
+      </p:sp>
+      <p:cxnSp>
+        <p:nvCxnSpPr>
+          <p:cNvPr id="18" name="מחבר חץ ישר 17"/>
+          <p:cNvCxnSpPr/>
+          <p:nvPr/>
+        </p:nvCxnSpPr>
+        <p:spPr>
+          <a:xfrm flipH="1">
+            <a:off x="16163925" y="17678400"/>
+            <a:ext cx="1" cy="781050"/>
+          </a:xfrm>
+          <a:prstGeom prst="straightConnector1">
+            <a:avLst/>
+          </a:prstGeom>
+          <a:ln>
+            <a:tailEnd type="triangle"/>
+          </a:ln>
+        </p:spPr>
+        <p:style>
+          <a:lnRef idx="3">
+            <a:schemeClr val="dk1"/>
+          </a:lnRef>
+          <a:fillRef idx="0">
+            <a:schemeClr val="dk1"/>
+          </a:fillRef>
+          <a:effectRef idx="2">
+            <a:schemeClr val="dk1"/>
+          </a:effectRef>
+          <a:fontRef idx="minor">
+            <a:schemeClr val="tx1"/>
+          </a:fontRef>
+        </p:style>
+      </p:cxnSp>
+      <p:sp>
+        <p:nvSpPr>
+          <p:cNvPr id="19" name="TextBox 18"/>
+          <p:cNvSpPr txBox="1"/>
+          <p:nvPr/>
+        </p:nvSpPr>
+        <p:spPr>
+          <a:xfrm>
+            <a:off x="16355901" y="17868900"/>
+            <a:ext cx="1561198" cy="400110"/>
+          </a:xfrm>
+          <a:prstGeom prst="rect">
+            <a:avLst/>
+          </a:prstGeom>
+          <a:noFill/>
+        </p:spPr>
+        <p:txBody>
+          <a:bodyPr wrap="none" rtlCol="1">
+            <a:spAutoFit/>
+          </a:bodyPr>
+          <a:lstStyle/>
+          <a:p>
+            <a:r>
+              <a:rPr lang="en-US" sz="2000" dirty="0" smtClean="0"/>
+              <a:t>1 Alias Graph</a:t>
+            </a:r>
+            <a:endParaRPr lang="he-IL" sz="2000" dirty="0"/>
+          </a:p>
+        </p:txBody>
+      </p:sp>
+      <p:sp>
+        <p:nvSpPr>
+          <p:cNvPr id="27" name="מלבן 26"/>
+          <p:cNvSpPr/>
+          <p:nvPr/>
+        </p:nvSpPr>
+        <p:spPr>
+          <a:xfrm>
+            <a:off x="11753850" y="18478500"/>
+            <a:ext cx="8820150" cy="981075"/>
+          </a:xfrm>
+          <a:prstGeom prst="rect">
+            <a:avLst/>
+          </a:prstGeom>
+          <a:solidFill>
+            <a:schemeClr val="accent5">
+              <a:lumMod val="60000"/>
+              <a:lumOff val="40000"/>
+            </a:schemeClr>
+          </a:solidFill>
+          <a:ln>
+            <a:solidFill>
+              <a:schemeClr val="tx1">
+                <a:lumMod val="95000"/>
+                <a:lumOff val="5000"/>
+              </a:schemeClr>
+            </a:solidFill>
+          </a:ln>
+        </p:spPr>
+        <p:style>
+          <a:lnRef idx="2">
+            <a:schemeClr val="accent1">
+              <a:shade val="50000"/>
+            </a:schemeClr>
+          </a:lnRef>
+          <a:fillRef idx="1">
+            <a:schemeClr val="accent1"/>
+          </a:fillRef>
+          <a:effectRef idx="0">
+            <a:schemeClr val="accent1"/>
+          </a:effectRef>
+          <a:fontRef idx="minor">
+            <a:schemeClr val="lt1"/>
+          </a:fontRef>
+        </p:style>
+        <p:txBody>
+          <a:bodyPr rtlCol="1" anchor="ctr"/>
+          <a:lstStyle/>
+          <a:p>
+            <a:pPr algn="ctr"/>
+            <a:r>
+              <a:rPr lang="en-US" sz="2800" dirty="0">
+                <a:solidFill>
+                  <a:schemeClr val="tx1"/>
+                </a:solidFill>
+              </a:rPr>
+              <a:t>node2vec_walk()</a:t>
+            </a:r>
+            <a:endParaRPr lang="he-IL" sz="2800" dirty="0" smtClean="0">
+              <a:solidFill>
+                <a:schemeClr val="tx1"/>
+              </a:solidFill>
+            </a:endParaRPr>
+          </a:p>
+        </p:txBody>
+      </p:sp>
+      <p:cxnSp>
+        <p:nvCxnSpPr>
+          <p:cNvPr id="28" name="מחבר חץ ישר 27"/>
+          <p:cNvCxnSpPr/>
+          <p:nvPr/>
+        </p:nvCxnSpPr>
+        <p:spPr>
+          <a:xfrm flipH="1">
+            <a:off x="16163924" y="19497675"/>
+            <a:ext cx="1" cy="781050"/>
+          </a:xfrm>
+          <a:prstGeom prst="straightConnector1">
+            <a:avLst/>
+          </a:prstGeom>
+          <a:ln>
+            <a:tailEnd type="triangle"/>
+          </a:ln>
+        </p:spPr>
+        <p:style>
+          <a:lnRef idx="3">
+            <a:schemeClr val="dk1"/>
+          </a:lnRef>
+          <a:fillRef idx="0">
+            <a:schemeClr val="dk1"/>
+          </a:fillRef>
+          <a:effectRef idx="2">
+            <a:schemeClr val="dk1"/>
+          </a:effectRef>
+          <a:fontRef idx="minor">
+            <a:schemeClr val="tx1"/>
+          </a:fontRef>
+        </p:style>
+      </p:cxnSp>
+      <p:sp>
+        <p:nvSpPr>
+          <p:cNvPr id="29" name="TextBox 28"/>
+          <p:cNvSpPr txBox="1"/>
+          <p:nvPr/>
+        </p:nvSpPr>
+        <p:spPr>
+          <a:xfrm>
+            <a:off x="16355901" y="19688145"/>
+            <a:ext cx="2308581" cy="400110"/>
+          </a:xfrm>
+          <a:prstGeom prst="rect">
+            <a:avLst/>
+          </a:prstGeom>
+          <a:noFill/>
+        </p:spPr>
+        <p:txBody>
+          <a:bodyPr wrap="none" rtlCol="1">
+            <a:spAutoFit/>
+          </a:bodyPr>
+          <a:lstStyle/>
+          <a:p>
+            <a:pPr algn="l" rtl="0"/>
+            <a:r>
+              <a:rPr lang="en-US" sz="2000" dirty="0" smtClean="0"/>
+              <a:t>1000 Random Walks</a:t>
+            </a:r>
+            <a:endParaRPr lang="he-IL" sz="2000" dirty="0"/>
+          </a:p>
+        </p:txBody>
+      </p:sp>
+      <p:sp>
+        <p:nvSpPr>
+          <p:cNvPr id="30" name="מלבן 29"/>
+          <p:cNvSpPr/>
+          <p:nvPr/>
+        </p:nvSpPr>
+        <p:spPr>
+          <a:xfrm>
+            <a:off x="11753849" y="20278725"/>
+            <a:ext cx="8820150" cy="981075"/>
+          </a:xfrm>
+          <a:prstGeom prst="rect">
+            <a:avLst/>
+          </a:prstGeom>
+          <a:solidFill>
+            <a:schemeClr val="accent5">
+              <a:lumMod val="60000"/>
+              <a:lumOff val="40000"/>
+            </a:schemeClr>
+          </a:solidFill>
+          <a:ln>
+            <a:solidFill>
+              <a:schemeClr val="tx1">
+                <a:lumMod val="95000"/>
+                <a:lumOff val="5000"/>
+              </a:schemeClr>
+            </a:solidFill>
+          </a:ln>
+        </p:spPr>
+        <p:style>
+          <a:lnRef idx="2">
+            <a:schemeClr val="accent1">
+              <a:shade val="50000"/>
+            </a:schemeClr>
+          </a:lnRef>
+          <a:fillRef idx="1">
+            <a:schemeClr val="accent1"/>
+          </a:fillRef>
+          <a:effectRef idx="0">
+            <a:schemeClr val="accent1"/>
+          </a:effectRef>
+          <a:fontRef idx="minor">
+            <a:schemeClr val="lt1"/>
+          </a:fontRef>
+        </p:style>
+        <p:txBody>
+          <a:bodyPr rtlCol="1" anchor="ctr"/>
+          <a:lstStyle/>
+          <a:p>
+            <a:pPr algn="ctr"/>
+            <a:r>
+              <a:rPr lang="en-US" sz="2800" dirty="0">
+                <a:solidFill>
+                  <a:schemeClr val="tx1"/>
+                </a:solidFill>
+              </a:rPr>
+              <a:t>Word2Vec()</a:t>
+            </a:r>
+            <a:endParaRPr lang="he-IL" sz="2800" dirty="0" smtClean="0">
+              <a:solidFill>
+                <a:schemeClr val="tx1"/>
+              </a:solidFill>
+            </a:endParaRPr>
+          </a:p>
+        </p:txBody>
+      </p:sp>
+      <p:cxnSp>
+        <p:nvCxnSpPr>
+          <p:cNvPr id="31" name="מחבר חץ ישר 30"/>
+          <p:cNvCxnSpPr/>
+          <p:nvPr/>
+        </p:nvCxnSpPr>
+        <p:spPr>
+          <a:xfrm flipH="1">
+            <a:off x="16163923" y="21297900"/>
+            <a:ext cx="1" cy="781050"/>
+          </a:xfrm>
+          <a:prstGeom prst="straightConnector1">
+            <a:avLst/>
+          </a:prstGeom>
+          <a:ln>
+            <a:tailEnd type="triangle"/>
+          </a:ln>
+        </p:spPr>
+        <p:style>
+          <a:lnRef idx="3">
+            <a:schemeClr val="dk1"/>
+          </a:lnRef>
+          <a:fillRef idx="0">
+            <a:schemeClr val="dk1"/>
+          </a:fillRef>
+          <a:effectRef idx="2">
+            <a:schemeClr val="dk1"/>
+          </a:effectRef>
+          <a:fontRef idx="minor">
+            <a:schemeClr val="tx1"/>
+          </a:fontRef>
+        </p:style>
+      </p:cxnSp>
+      <p:sp>
+        <p:nvSpPr>
+          <p:cNvPr id="32" name="TextBox 31"/>
+          <p:cNvSpPr txBox="1"/>
+          <p:nvPr/>
+        </p:nvSpPr>
+        <p:spPr>
+          <a:xfrm>
+            <a:off x="16355901" y="21404832"/>
+            <a:ext cx="861133" cy="400110"/>
+          </a:xfrm>
+          <a:prstGeom prst="rect">
+            <a:avLst/>
+          </a:prstGeom>
+          <a:noFill/>
+        </p:spPr>
+        <p:txBody>
+          <a:bodyPr wrap="none" rtlCol="1">
+            <a:spAutoFit/>
+          </a:bodyPr>
+          <a:lstStyle/>
+          <a:p>
+            <a:pPr algn="l" rtl="0"/>
+            <a:r>
+              <a:rPr lang="en-US" sz="2000" dirty="0" smtClean="0"/>
+              <a:t>Model</a:t>
+            </a:r>
+            <a:endParaRPr lang="he-IL" sz="2000" dirty="0"/>
+          </a:p>
+        </p:txBody>
+      </p:sp>
+      <p:sp>
+        <p:nvSpPr>
+          <p:cNvPr id="33" name="מלבן 32"/>
+          <p:cNvSpPr/>
+          <p:nvPr/>
+        </p:nvSpPr>
+        <p:spPr>
+          <a:xfrm>
+            <a:off x="13073060" y="22081108"/>
+            <a:ext cx="6181725" cy="114360"/>
+          </a:xfrm>
+          <a:prstGeom prst="rect">
+            <a:avLst/>
+          </a:prstGeom>
+          <a:solidFill>
+            <a:schemeClr val="tx1"/>
+          </a:solidFill>
+          <a:ln>
+            <a:solidFill>
+              <a:schemeClr val="tx1">
+                <a:lumMod val="95000"/>
+                <a:lumOff val="5000"/>
+              </a:schemeClr>
+            </a:solidFill>
+          </a:ln>
+        </p:spPr>
+        <p:style>
+          <a:lnRef idx="2">
+            <a:schemeClr val="accent1">
+              <a:shade val="50000"/>
+            </a:schemeClr>
+          </a:lnRef>
+          <a:fillRef idx="1">
+            <a:schemeClr val="accent1"/>
+          </a:fillRef>
+          <a:effectRef idx="0">
+            <a:schemeClr val="accent1"/>
+          </a:effectRef>
+          <a:fontRef idx="minor">
+            <a:schemeClr val="lt1"/>
+          </a:fontRef>
+        </p:style>
+        <p:txBody>
+          <a:bodyPr rtlCol="1" anchor="ctr"/>
+          <a:lstStyle/>
+          <a:p>
+            <a:pPr algn="ctr"/>
+            <a:endParaRPr lang="he-IL" sz="1400" dirty="0" smtClean="0">
+              <a:solidFill>
+                <a:schemeClr val="tx1"/>
+              </a:solidFill>
+            </a:endParaRPr>
+          </a:p>
+        </p:txBody>
+      </p:sp>
+      <p:sp>
+        <p:nvSpPr>
+          <p:cNvPr id="34" name="מלבן 33"/>
+          <p:cNvSpPr/>
+          <p:nvPr/>
+        </p:nvSpPr>
+        <p:spPr>
+          <a:xfrm>
+            <a:off x="16573500" y="23014647"/>
+            <a:ext cx="4036164" cy="981075"/>
+          </a:xfrm>
+          <a:prstGeom prst="rect">
+            <a:avLst/>
+          </a:prstGeom>
+          <a:solidFill>
+            <a:schemeClr val="accent5">
+              <a:lumMod val="60000"/>
+              <a:lumOff val="40000"/>
+            </a:schemeClr>
+          </a:solidFill>
+          <a:ln>
+            <a:solidFill>
+              <a:schemeClr val="tx1">
+                <a:lumMod val="95000"/>
+                <a:lumOff val="5000"/>
+              </a:schemeClr>
+            </a:solidFill>
+          </a:ln>
+        </p:spPr>
+        <p:style>
+          <a:lnRef idx="2">
+            <a:schemeClr val="accent1">
+              <a:shade val="50000"/>
+            </a:schemeClr>
+          </a:lnRef>
+          <a:fillRef idx="1">
+            <a:schemeClr val="accent1"/>
+          </a:fillRef>
+          <a:effectRef idx="0">
+            <a:schemeClr val="accent1"/>
+          </a:effectRef>
+          <a:fontRef idx="minor">
+            <a:schemeClr val="lt1"/>
+          </a:fontRef>
+        </p:style>
+        <p:txBody>
+          <a:bodyPr rtlCol="1" anchor="ctr"/>
+          <a:lstStyle/>
+          <a:p>
+            <a:pPr algn="ctr"/>
+            <a:r>
+              <a:rPr lang="en-US" sz="2800" dirty="0" smtClean="0">
+                <a:solidFill>
+                  <a:schemeClr val="tx1"/>
+                </a:solidFill>
+              </a:rPr>
+              <a:t>Build TrainSet</a:t>
+            </a:r>
+            <a:endParaRPr lang="he-IL" sz="2800" dirty="0" smtClean="0">
+              <a:solidFill>
+                <a:schemeClr val="tx1"/>
+              </a:solidFill>
+            </a:endParaRPr>
+          </a:p>
+        </p:txBody>
+      </p:sp>
+      <p:cxnSp>
+        <p:nvCxnSpPr>
+          <p:cNvPr id="35" name="מחבר חץ ישר 34"/>
+          <p:cNvCxnSpPr/>
+          <p:nvPr/>
+        </p:nvCxnSpPr>
+        <p:spPr>
+          <a:xfrm flipH="1">
+            <a:off x="18591582" y="22235726"/>
+            <a:ext cx="1" cy="781050"/>
+          </a:xfrm>
+          <a:prstGeom prst="straightConnector1">
+            <a:avLst/>
+          </a:prstGeom>
+          <a:ln>
+            <a:tailEnd type="triangle"/>
+          </a:ln>
+        </p:spPr>
+        <p:style>
+          <a:lnRef idx="3">
+            <a:schemeClr val="dk1"/>
+          </a:lnRef>
+          <a:fillRef idx="0">
+            <a:schemeClr val="dk1"/>
+          </a:fillRef>
+          <a:effectRef idx="2">
+            <a:schemeClr val="dk1"/>
+          </a:effectRef>
+          <a:fontRef idx="minor">
+            <a:schemeClr val="tx1"/>
+          </a:fontRef>
+        </p:style>
+      </p:cxnSp>
+      <p:sp>
+        <p:nvSpPr>
+          <p:cNvPr id="36" name="TextBox 35"/>
+          <p:cNvSpPr txBox="1"/>
+          <p:nvPr/>
+        </p:nvSpPr>
+        <p:spPr>
+          <a:xfrm>
+            <a:off x="18752782" y="22405002"/>
+            <a:ext cx="993926" cy="400110"/>
+          </a:xfrm>
+          <a:prstGeom prst="rect">
+            <a:avLst/>
+          </a:prstGeom>
+          <a:noFill/>
+        </p:spPr>
+        <p:txBody>
+          <a:bodyPr wrap="none" rtlCol="1">
+            <a:spAutoFit/>
+          </a:bodyPr>
+          <a:lstStyle/>
+          <a:p>
+            <a:pPr algn="l" rtl="0"/>
+            <a:r>
+              <a:rPr lang="en-US" sz="2000" dirty="0" smtClean="0"/>
+              <a:t>Context</a:t>
+            </a:r>
+            <a:endParaRPr lang="he-IL" sz="2000" dirty="0"/>
+          </a:p>
+        </p:txBody>
+      </p:sp>
+      <p:cxnSp>
+        <p:nvCxnSpPr>
+          <p:cNvPr id="37" name="מחבר חץ ישר 36"/>
+          <p:cNvCxnSpPr/>
+          <p:nvPr/>
+        </p:nvCxnSpPr>
+        <p:spPr>
+          <a:xfrm flipH="1">
+            <a:off x="18591582" y="24033822"/>
+            <a:ext cx="1" cy="781050"/>
+          </a:xfrm>
+          <a:prstGeom prst="straightConnector1">
+            <a:avLst/>
+          </a:prstGeom>
+          <a:ln>
+            <a:tailEnd type="triangle"/>
+          </a:ln>
+        </p:spPr>
+        <p:style>
+          <a:lnRef idx="3">
+            <a:schemeClr val="dk1"/>
+          </a:lnRef>
+          <a:fillRef idx="0">
+            <a:schemeClr val="dk1"/>
+          </a:fillRef>
+          <a:effectRef idx="2">
+            <a:schemeClr val="dk1"/>
+          </a:effectRef>
+          <a:fontRef idx="minor">
+            <a:schemeClr val="tx1"/>
+          </a:fontRef>
+        </p:style>
+      </p:cxnSp>
+      <p:sp>
+        <p:nvSpPr>
+          <p:cNvPr id="38" name="TextBox 37"/>
+          <p:cNvSpPr txBox="1"/>
+          <p:nvPr/>
+        </p:nvSpPr>
+        <p:spPr>
+          <a:xfrm>
+            <a:off x="18752782" y="24188513"/>
+            <a:ext cx="2213170" cy="400110"/>
+          </a:xfrm>
+          <a:prstGeom prst="rect">
+            <a:avLst/>
+          </a:prstGeom>
+          <a:noFill/>
+        </p:spPr>
+        <p:txBody>
+          <a:bodyPr wrap="none" rtlCol="1">
+            <a:spAutoFit/>
+          </a:bodyPr>
+          <a:lstStyle/>
+          <a:p>
+            <a:pPr algn="l" rtl="0"/>
+            <a:r>
+              <a:rPr lang="en-US" sz="2000" dirty="0" smtClean="0"/>
+              <a:t>500 x_train, y_train</a:t>
+            </a:r>
+            <a:endParaRPr lang="he-IL" sz="2000" dirty="0"/>
+          </a:p>
+        </p:txBody>
+      </p:sp>
+      <p:sp>
+        <p:nvSpPr>
+          <p:cNvPr id="39" name="מלבן 38"/>
+          <p:cNvSpPr/>
+          <p:nvPr/>
+        </p:nvSpPr>
+        <p:spPr>
+          <a:xfrm>
+            <a:off x="12319737" y="23014647"/>
+            <a:ext cx="4036164" cy="981075"/>
+          </a:xfrm>
+          <a:prstGeom prst="rect">
+            <a:avLst/>
+          </a:prstGeom>
+          <a:solidFill>
+            <a:schemeClr val="accent5">
+              <a:lumMod val="60000"/>
+              <a:lumOff val="40000"/>
+            </a:schemeClr>
+          </a:solidFill>
+          <a:ln>
+            <a:solidFill>
+              <a:schemeClr val="tx1">
+                <a:lumMod val="95000"/>
+                <a:lumOff val="5000"/>
+              </a:schemeClr>
+            </a:solidFill>
+          </a:ln>
+        </p:spPr>
+        <p:style>
+          <a:lnRef idx="2">
+            <a:schemeClr val="accent1">
+              <a:shade val="50000"/>
+            </a:schemeClr>
+          </a:lnRef>
+          <a:fillRef idx="1">
+            <a:schemeClr val="accent1"/>
+          </a:fillRef>
+          <a:effectRef idx="0">
+            <a:schemeClr val="accent1"/>
+          </a:effectRef>
+          <a:fontRef idx="minor">
+            <a:schemeClr val="lt1"/>
+          </a:fontRef>
+        </p:style>
+        <p:txBody>
+          <a:bodyPr rtlCol="1" anchor="ctr"/>
+          <a:lstStyle/>
+          <a:p>
+            <a:pPr algn="ctr"/>
+            <a:r>
+              <a:rPr lang="en-US" sz="2800" dirty="0" smtClean="0">
+                <a:solidFill>
+                  <a:schemeClr val="tx1"/>
+                </a:solidFill>
+              </a:rPr>
+              <a:t>Build TestSet</a:t>
+            </a:r>
+            <a:endParaRPr lang="he-IL" sz="2800" dirty="0" smtClean="0">
+              <a:solidFill>
+                <a:schemeClr val="tx1"/>
+              </a:solidFill>
+            </a:endParaRPr>
+          </a:p>
+        </p:txBody>
+      </p:sp>
+      <p:cxnSp>
+        <p:nvCxnSpPr>
+          <p:cNvPr id="40" name="מחבר חץ ישר 39"/>
+          <p:cNvCxnSpPr/>
+          <p:nvPr/>
+        </p:nvCxnSpPr>
+        <p:spPr>
+          <a:xfrm flipH="1">
+            <a:off x="14337819" y="22235726"/>
+            <a:ext cx="1" cy="781050"/>
+          </a:xfrm>
+          <a:prstGeom prst="straightConnector1">
+            <a:avLst/>
+          </a:prstGeom>
+          <a:ln>
+            <a:tailEnd type="triangle"/>
+          </a:ln>
+        </p:spPr>
+        <p:style>
+          <a:lnRef idx="3">
+            <a:schemeClr val="dk1"/>
+          </a:lnRef>
+          <a:fillRef idx="0">
+            <a:schemeClr val="dk1"/>
+          </a:fillRef>
+          <a:effectRef idx="2">
+            <a:schemeClr val="dk1"/>
+          </a:effectRef>
+          <a:fontRef idx="minor">
+            <a:schemeClr val="tx1"/>
+          </a:fontRef>
+        </p:style>
+      </p:cxnSp>
+      <p:sp>
+        <p:nvSpPr>
+          <p:cNvPr id="41" name="TextBox 40"/>
+          <p:cNvSpPr txBox="1"/>
+          <p:nvPr/>
+        </p:nvSpPr>
+        <p:spPr>
+          <a:xfrm>
+            <a:off x="14499019" y="22405002"/>
+            <a:ext cx="993926" cy="400110"/>
+          </a:xfrm>
+          <a:prstGeom prst="rect">
+            <a:avLst/>
+          </a:prstGeom>
+          <a:noFill/>
+        </p:spPr>
+        <p:txBody>
+          <a:bodyPr wrap="none" rtlCol="1">
+            <a:spAutoFit/>
+          </a:bodyPr>
+          <a:lstStyle/>
+          <a:p>
+            <a:pPr algn="l" rtl="0"/>
+            <a:r>
+              <a:rPr lang="en-US" sz="2000" dirty="0" smtClean="0"/>
+              <a:t>Context</a:t>
+            </a:r>
+            <a:endParaRPr lang="he-IL" sz="2000" dirty="0"/>
+          </a:p>
+        </p:txBody>
+      </p:sp>
+      <p:cxnSp>
+        <p:nvCxnSpPr>
+          <p:cNvPr id="42" name="מחבר חץ ישר 41"/>
+          <p:cNvCxnSpPr/>
+          <p:nvPr/>
+        </p:nvCxnSpPr>
+        <p:spPr>
+          <a:xfrm flipH="1">
+            <a:off x="14337819" y="24033822"/>
+            <a:ext cx="2" cy="2651581"/>
+          </a:xfrm>
+          <a:prstGeom prst="straightConnector1">
+            <a:avLst/>
+          </a:prstGeom>
+          <a:ln>
+            <a:tailEnd type="triangle"/>
+          </a:ln>
+        </p:spPr>
+        <p:style>
+          <a:lnRef idx="3">
+            <a:schemeClr val="dk1"/>
+          </a:lnRef>
+          <a:fillRef idx="0">
+            <a:schemeClr val="dk1"/>
+          </a:fillRef>
+          <a:effectRef idx="2">
+            <a:schemeClr val="dk1"/>
+          </a:effectRef>
+          <a:fontRef idx="minor">
+            <a:schemeClr val="tx1"/>
+          </a:fontRef>
+        </p:style>
+      </p:cxnSp>
+      <p:sp>
+        <p:nvSpPr>
+          <p:cNvPr id="43" name="TextBox 42"/>
+          <p:cNvSpPr txBox="1"/>
+          <p:nvPr/>
+        </p:nvSpPr>
+        <p:spPr>
+          <a:xfrm>
+            <a:off x="14305200" y="24224292"/>
+            <a:ext cx="2159502" cy="400110"/>
+          </a:xfrm>
+          <a:prstGeom prst="rect">
+            <a:avLst/>
+          </a:prstGeom>
+          <a:noFill/>
+        </p:spPr>
+        <p:txBody>
+          <a:bodyPr wrap="none" rtlCol="1">
+            <a:spAutoFit/>
+          </a:bodyPr>
+          <a:lstStyle/>
+          <a:p>
+            <a:pPr algn="l" rtl="0"/>
+            <a:r>
+              <a:rPr lang="en-US" sz="2000" dirty="0" smtClean="0"/>
+              <a:t>1000 x_test, y_test</a:t>
+            </a:r>
+            <a:endParaRPr lang="he-IL" sz="2000" dirty="0"/>
+          </a:p>
+        </p:txBody>
+      </p:sp>
+      <p:sp>
+        <p:nvSpPr>
+          <p:cNvPr id="45" name="מלבן 44"/>
+          <p:cNvSpPr/>
+          <p:nvPr/>
+        </p:nvSpPr>
+        <p:spPr>
+          <a:xfrm>
+            <a:off x="16602649" y="24850025"/>
+            <a:ext cx="4036164" cy="981075"/>
+          </a:xfrm>
+          <a:prstGeom prst="rect">
+            <a:avLst/>
+          </a:prstGeom>
+          <a:solidFill>
+            <a:schemeClr val="accent5">
+              <a:lumMod val="60000"/>
+              <a:lumOff val="40000"/>
+            </a:schemeClr>
+          </a:solidFill>
+          <a:ln>
+            <a:solidFill>
+              <a:schemeClr val="tx1">
+                <a:lumMod val="95000"/>
+                <a:lumOff val="5000"/>
+              </a:schemeClr>
+            </a:solidFill>
+          </a:ln>
+        </p:spPr>
+        <p:style>
+          <a:lnRef idx="2">
+            <a:schemeClr val="accent1">
+              <a:shade val="50000"/>
+            </a:schemeClr>
+          </a:lnRef>
+          <a:fillRef idx="1">
+            <a:schemeClr val="accent1"/>
+          </a:fillRef>
+          <a:effectRef idx="0">
+            <a:schemeClr val="accent1"/>
+          </a:effectRef>
+          <a:fontRef idx="minor">
+            <a:schemeClr val="lt1"/>
+          </a:fontRef>
+        </p:style>
+        <p:txBody>
+          <a:bodyPr rtlCol="1" anchor="ctr"/>
+          <a:lstStyle/>
+          <a:p>
+            <a:pPr algn="ctr" rtl="0"/>
+            <a:r>
+              <a:rPr lang="en-US" sz="2800" dirty="0">
+                <a:solidFill>
+                  <a:schemeClr val="tx1"/>
+                </a:solidFill>
+              </a:rPr>
+              <a:t>classifier.fit</a:t>
+            </a:r>
+            <a:r>
+              <a:rPr lang="en-US" sz="2800" dirty="0" smtClean="0">
+                <a:solidFill>
+                  <a:schemeClr val="tx1"/>
+                </a:solidFill>
+              </a:rPr>
+              <a:t>() (LogisticRegression)</a:t>
+            </a:r>
+            <a:endParaRPr lang="en-US" sz="2800" dirty="0">
+              <a:solidFill>
+                <a:schemeClr val="tx1"/>
+              </a:solidFill>
+            </a:endParaRPr>
+          </a:p>
+        </p:txBody>
+      </p:sp>
+      <p:sp>
+        <p:nvSpPr>
+          <p:cNvPr id="47" name="מלבן 46"/>
+          <p:cNvSpPr/>
+          <p:nvPr/>
+        </p:nvSpPr>
+        <p:spPr>
+          <a:xfrm>
+            <a:off x="11818663" y="26685403"/>
+            <a:ext cx="8820150" cy="981075"/>
+          </a:xfrm>
+          <a:prstGeom prst="rect">
+            <a:avLst/>
+          </a:prstGeom>
+          <a:solidFill>
+            <a:schemeClr val="accent5">
+              <a:lumMod val="60000"/>
+              <a:lumOff val="40000"/>
+            </a:schemeClr>
+          </a:solidFill>
+          <a:ln>
+            <a:solidFill>
+              <a:schemeClr val="tx1">
+                <a:lumMod val="95000"/>
+                <a:lumOff val="5000"/>
+              </a:schemeClr>
+            </a:solidFill>
+          </a:ln>
+        </p:spPr>
+        <p:style>
+          <a:lnRef idx="2">
+            <a:schemeClr val="accent1">
+              <a:shade val="50000"/>
+            </a:schemeClr>
+          </a:lnRef>
+          <a:fillRef idx="1">
+            <a:schemeClr val="accent1"/>
+          </a:fillRef>
+          <a:effectRef idx="0">
+            <a:schemeClr val="accent1"/>
+          </a:effectRef>
+          <a:fontRef idx="minor">
+            <a:schemeClr val="lt1"/>
+          </a:fontRef>
+        </p:style>
+        <p:txBody>
+          <a:bodyPr rtlCol="1" anchor="ctr"/>
+          <a:lstStyle/>
+          <a:p>
+            <a:pPr algn="ctr"/>
+            <a:r>
+              <a:rPr lang="en-US" sz="2800" dirty="0">
+                <a:solidFill>
+                  <a:schemeClr val="tx1"/>
+                </a:solidFill>
+              </a:rPr>
+              <a:t>classifier.predict()</a:t>
+            </a:r>
+            <a:endParaRPr lang="he-IL" sz="2800" dirty="0" smtClean="0">
+              <a:solidFill>
+                <a:schemeClr val="tx1"/>
+              </a:solidFill>
+            </a:endParaRPr>
+          </a:p>
+        </p:txBody>
+      </p:sp>
+      <p:cxnSp>
+        <p:nvCxnSpPr>
+          <p:cNvPr id="48" name="מחבר חץ ישר 47"/>
+          <p:cNvCxnSpPr/>
+          <p:nvPr/>
+        </p:nvCxnSpPr>
+        <p:spPr>
+          <a:xfrm flipH="1">
+            <a:off x="18620731" y="25866253"/>
+            <a:ext cx="1" cy="781050"/>
+          </a:xfrm>
+          <a:prstGeom prst="straightConnector1">
+            <a:avLst/>
+          </a:prstGeom>
+          <a:ln>
+            <a:tailEnd type="triangle"/>
+          </a:ln>
+        </p:spPr>
+        <p:style>
+          <a:lnRef idx="3">
+            <a:schemeClr val="dk1"/>
+          </a:lnRef>
+          <a:fillRef idx="0">
+            <a:schemeClr val="dk1"/>
+          </a:fillRef>
+          <a:effectRef idx="2">
+            <a:schemeClr val="dk1"/>
+          </a:effectRef>
+          <a:fontRef idx="minor">
+            <a:schemeClr val="tx1"/>
+          </a:fontRef>
+        </p:style>
+      </p:cxnSp>
+      <p:cxnSp>
+        <p:nvCxnSpPr>
+          <p:cNvPr id="50" name="מחבר חץ ישר 49"/>
+          <p:cNvCxnSpPr/>
+          <p:nvPr/>
+        </p:nvCxnSpPr>
+        <p:spPr>
+          <a:xfrm flipH="1">
+            <a:off x="16355901" y="27704578"/>
+            <a:ext cx="1" cy="781050"/>
+          </a:xfrm>
+          <a:prstGeom prst="straightConnector1">
+            <a:avLst/>
+          </a:prstGeom>
+          <a:ln>
+            <a:tailEnd type="triangle"/>
+          </a:ln>
+        </p:spPr>
+        <p:style>
+          <a:lnRef idx="3">
+            <a:schemeClr val="dk1"/>
+          </a:lnRef>
+          <a:fillRef idx="0">
+            <a:schemeClr val="dk1"/>
+          </a:fillRef>
+          <a:effectRef idx="2">
+            <a:schemeClr val="dk1"/>
+          </a:effectRef>
+          <a:fontRef idx="minor">
+            <a:schemeClr val="tx1"/>
+          </a:fontRef>
+        </p:style>
+      </p:cxnSp>
+      <p:sp>
+        <p:nvSpPr>
+          <p:cNvPr id="52" name="TextBox 51"/>
+          <p:cNvSpPr txBox="1"/>
+          <p:nvPr/>
+        </p:nvSpPr>
+        <p:spPr>
+          <a:xfrm>
+            <a:off x="15680171" y="28541304"/>
+            <a:ext cx="1351460" cy="400110"/>
+          </a:xfrm>
+          <a:prstGeom prst="rect">
+            <a:avLst/>
+          </a:prstGeom>
+          <a:noFill/>
+        </p:spPr>
+        <p:txBody>
+          <a:bodyPr wrap="none" rtlCol="1">
+            <a:spAutoFit/>
+          </a:bodyPr>
+          <a:lstStyle/>
+          <a:p>
+            <a:pPr algn="l" rtl="0"/>
+            <a:r>
+              <a:rPr lang="en-US" sz="2000" dirty="0" smtClean="0"/>
+              <a:t>Predictions</a:t>
+            </a:r>
+            <a:endParaRPr lang="he-IL" sz="2000" dirty="0"/>
+          </a:p>
+        </p:txBody>
+      </p:sp>
+    </p:spTree>
+    <p:extLst>
+      <p:ext uri="{BB962C8B-B14F-4D97-AF65-F5344CB8AC3E}">
+        <p14:creationId xmlns:p14="http://schemas.microsoft.com/office/powerpoint/2010/main" val="910193741"/>
+      </p:ext>
+    </p:extLst>
+  </p:cSld>
+  <p:clrMapOvr>
+    <a:masterClrMapping/>
+  </p:clrMapOvr>
+  <p:timing>
+    <p:tnLst>
+      <p:par>
+        <p:cTn id="1" dur="indefinite" restart="never" nodeType="tmRoot"/>
+      </p:par>
+    </p:tnLst>
+  </p:timing>
 </p:sld>
 </file>
 
@@ -5358,6 +6862,29 @@
         </a:fontRef>
       </a:style>
     </a:spDef>
+    <a:lnDef>
+      <a:spPr>
+        <a:ln>
+          <a:tailEnd type="triangle"/>
+        </a:ln>
+      </a:spPr>
+      <a:bodyPr/>
+      <a:lstStyle/>
+      <a:style>
+        <a:lnRef idx="3">
+          <a:schemeClr val="dk1"/>
+        </a:lnRef>
+        <a:fillRef idx="0">
+          <a:schemeClr val="dk1"/>
+        </a:fillRef>
+        <a:effectRef idx="2">
+          <a:schemeClr val="dk1"/>
+        </a:effectRef>
+        <a:fontRef idx="minor">
+          <a:schemeClr val="tx1"/>
+        </a:fontRef>
+      </a:style>
+    </a:lnDef>
   </a:objectDefaults>
   <a:extraClrSchemeLst/>
   <a:extLst>

--- a/graphs/diagrams.pptx
+++ b/graphs/diagrams.pptx
@@ -244,7 +244,7 @@
           <a:p>
             <a:fld id="{BE4C7591-B1FC-4832-BF0E-EB24DC105685}" type="datetimeFigureOut">
               <a:rPr lang="he-IL" smtClean="0"/>
-              <a:t>כ"ד/טבת/תשפ"ה</a:t>
+              <a:t>כ"ח/טבת/תשפ"ה</a:t>
             </a:fld>
             <a:endParaRPr lang="he-IL"/>
           </a:p>
@@ -414,7 +414,7 @@
           <a:p>
             <a:fld id="{BE4C7591-B1FC-4832-BF0E-EB24DC105685}" type="datetimeFigureOut">
               <a:rPr lang="he-IL" smtClean="0"/>
-              <a:t>כ"ד/טבת/תשפ"ה</a:t>
+              <a:t>כ"ח/טבת/תשפ"ה</a:t>
             </a:fld>
             <a:endParaRPr lang="he-IL"/>
           </a:p>
@@ -594,7 +594,7 @@
           <a:p>
             <a:fld id="{BE4C7591-B1FC-4832-BF0E-EB24DC105685}" type="datetimeFigureOut">
               <a:rPr lang="he-IL" smtClean="0"/>
-              <a:t>כ"ד/טבת/תשפ"ה</a:t>
+              <a:t>כ"ח/טבת/תשפ"ה</a:t>
             </a:fld>
             <a:endParaRPr lang="he-IL"/>
           </a:p>
@@ -764,7 +764,7 @@
           <a:p>
             <a:fld id="{BE4C7591-B1FC-4832-BF0E-EB24DC105685}" type="datetimeFigureOut">
               <a:rPr lang="he-IL" smtClean="0"/>
-              <a:t>כ"ד/טבת/תשפ"ה</a:t>
+              <a:t>כ"ח/טבת/תשפ"ה</a:t>
             </a:fld>
             <a:endParaRPr lang="he-IL"/>
           </a:p>
@@ -1008,7 +1008,7 @@
           <a:p>
             <a:fld id="{BE4C7591-B1FC-4832-BF0E-EB24DC105685}" type="datetimeFigureOut">
               <a:rPr lang="he-IL" smtClean="0"/>
-              <a:t>כ"ד/טבת/תשפ"ה</a:t>
+              <a:t>כ"ח/טבת/תשפ"ה</a:t>
             </a:fld>
             <a:endParaRPr lang="he-IL"/>
           </a:p>
@@ -1240,7 +1240,7 @@
           <a:p>
             <a:fld id="{BE4C7591-B1FC-4832-BF0E-EB24DC105685}" type="datetimeFigureOut">
               <a:rPr lang="he-IL" smtClean="0"/>
-              <a:t>כ"ד/טבת/תשפ"ה</a:t>
+              <a:t>כ"ח/טבת/תשפ"ה</a:t>
             </a:fld>
             <a:endParaRPr lang="he-IL"/>
           </a:p>
@@ -1607,7 +1607,7 @@
           <a:p>
             <a:fld id="{BE4C7591-B1FC-4832-BF0E-EB24DC105685}" type="datetimeFigureOut">
               <a:rPr lang="he-IL" smtClean="0"/>
-              <a:t>כ"ד/טבת/תשפ"ה</a:t>
+              <a:t>כ"ח/טבת/תשפ"ה</a:t>
             </a:fld>
             <a:endParaRPr lang="he-IL"/>
           </a:p>
@@ -1725,7 +1725,7 @@
           <a:p>
             <a:fld id="{BE4C7591-B1FC-4832-BF0E-EB24DC105685}" type="datetimeFigureOut">
               <a:rPr lang="he-IL" smtClean="0"/>
-              <a:t>כ"ד/טבת/תשפ"ה</a:t>
+              <a:t>כ"ח/טבת/תשפ"ה</a:t>
             </a:fld>
             <a:endParaRPr lang="he-IL"/>
           </a:p>
@@ -1820,7 +1820,7 @@
           <a:p>
             <a:fld id="{BE4C7591-B1FC-4832-BF0E-EB24DC105685}" type="datetimeFigureOut">
               <a:rPr lang="he-IL" smtClean="0"/>
-              <a:t>כ"ד/טבת/תשפ"ה</a:t>
+              <a:t>כ"ח/טבת/תשפ"ה</a:t>
             </a:fld>
             <a:endParaRPr lang="he-IL"/>
           </a:p>
@@ -2097,7 +2097,7 @@
           <a:p>
             <a:fld id="{BE4C7591-B1FC-4832-BF0E-EB24DC105685}" type="datetimeFigureOut">
               <a:rPr lang="he-IL" smtClean="0"/>
-              <a:t>כ"ד/טבת/תשפ"ה</a:t>
+              <a:t>כ"ח/טבת/תשפ"ה</a:t>
             </a:fld>
             <a:endParaRPr lang="he-IL"/>
           </a:p>
@@ -2354,7 +2354,7 @@
           <a:p>
             <a:fld id="{BE4C7591-B1FC-4832-BF0E-EB24DC105685}" type="datetimeFigureOut">
               <a:rPr lang="he-IL" smtClean="0"/>
-              <a:t>כ"ד/טבת/תשפ"ה</a:t>
+              <a:t>כ"ח/טבת/תשפ"ה</a:t>
             </a:fld>
             <a:endParaRPr lang="he-IL"/>
           </a:p>
@@ -2567,7 +2567,7 @@
           <a:p>
             <a:fld id="{BE4C7591-B1FC-4832-BF0E-EB24DC105685}" type="datetimeFigureOut">
               <a:rPr lang="he-IL" smtClean="0"/>
-              <a:t>כ"ד/טבת/תשפ"ה</a:t>
+              <a:t>כ"ח/טבת/תשפ"ה</a:t>
             </a:fld>
             <a:endParaRPr lang="he-IL"/>
           </a:p>
@@ -5115,7 +5115,7 @@
           <a:p>
             <a:pPr algn="ctr"/>
             <a:r>
-              <a:rPr lang="en-US" sz="2400" dirty="0" smtClean="0">
+              <a:rPr lang="en-US" sz="2400" dirty="0">
                 <a:solidFill>
                   <a:schemeClr val="tx1"/>
                 </a:solidFill>
@@ -5126,14 +5126,14 @@
           <a:p>
             <a:pPr algn="ctr"/>
             <a:r>
-              <a:rPr lang="en-US" sz="2400" dirty="0" smtClean="0">
+              <a:rPr lang="en-US" sz="2400" dirty="0">
                 <a:solidFill>
                   <a:schemeClr val="tx1"/>
                 </a:solidFill>
               </a:rPr>
               <a:t>(Nodes)</a:t>
             </a:r>
-            <a:endParaRPr lang="he-IL" sz="2400" dirty="0" smtClean="0">
+            <a:endParaRPr lang="he-IL" sz="2400" dirty="0">
               <a:solidFill>
                 <a:schemeClr val="tx1"/>
               </a:solidFill>
@@ -5192,7 +5192,7 @@
           <a:p>
             <a:pPr algn="ctr"/>
             <a:r>
-              <a:rPr lang="en-US" sz="2400" dirty="0" smtClean="0">
+              <a:rPr lang="en-US" sz="2400" dirty="0">
                 <a:solidFill>
                   <a:schemeClr val="tx1"/>
                 </a:solidFill>
@@ -5203,14 +5203,14 @@
           <a:p>
             <a:pPr algn="ctr"/>
             <a:r>
-              <a:rPr lang="en-US" sz="2400" dirty="0" smtClean="0">
+              <a:rPr lang="en-US" sz="2400" dirty="0">
                 <a:solidFill>
                   <a:schemeClr val="tx1"/>
                 </a:solidFill>
               </a:rPr>
               <a:t>(Edges)</a:t>
             </a:r>
-            <a:endParaRPr lang="he-IL" sz="2400" dirty="0" smtClean="0">
+            <a:endParaRPr lang="he-IL" sz="2400" dirty="0">
               <a:solidFill>
                 <a:schemeClr val="tx1"/>
               </a:solidFill>
@@ -5242,7 +5242,7 @@
           <a:p>
             <a:pPr algn="l" rtl="0"/>
             <a:r>
-              <a:rPr lang="en-US" sz="2000" dirty="0" smtClean="0"/>
+              <a:rPr lang="en-US" sz="2000" dirty="0"/>
               <a:t>2,709 x 1435 Matrix</a:t>
             </a:r>
             <a:endParaRPr lang="he-IL" sz="2000" dirty="0"/>
@@ -5273,7 +5273,7 @@
           <a:p>
             <a:pPr algn="l" rtl="0"/>
             <a:r>
-              <a:rPr lang="en-US" sz="2000" dirty="0" smtClean="0"/>
+              <a:rPr lang="en-US" sz="2000" dirty="0"/>
               <a:t>5,429 x 2 Matrix</a:t>
             </a:r>
             <a:endParaRPr lang="he-IL" sz="2000" dirty="0"/>
@@ -5331,14 +5331,14 @@
           <a:p>
             <a:pPr algn="ctr"/>
             <a:r>
-              <a:rPr lang="en-US" sz="2800" dirty="0" smtClean="0">
+              <a:rPr lang="en-US" sz="2800" dirty="0">
                 <a:solidFill>
                   <a:schemeClr val="tx1"/>
                 </a:solidFill>
               </a:rPr>
               <a:t>load_graph()</a:t>
             </a:r>
-            <a:endParaRPr lang="he-IL" sz="2800" dirty="0" smtClean="0">
+            <a:endParaRPr lang="he-IL" sz="2800" dirty="0">
               <a:solidFill>
                 <a:schemeClr val="tx1"/>
               </a:solidFill>
@@ -5470,7 +5470,7 @@
           <a:lstStyle/>
           <a:p>
             <a:r>
-              <a:rPr lang="en-US" sz="2000" dirty="0" smtClean="0"/>
+              <a:rPr lang="en-US" sz="2000" dirty="0"/>
               <a:t>1 Cora Graph</a:t>
             </a:r>
             <a:endParaRPr lang="he-IL" sz="2000" dirty="0"/>
@@ -5535,7 +5535,7 @@
               </a:rPr>
               <a:t>preprocess_transition_probs()</a:t>
             </a:r>
-            <a:endParaRPr lang="he-IL" sz="2800" dirty="0" smtClean="0">
+            <a:endParaRPr lang="he-IL" sz="2800" dirty="0">
               <a:solidFill>
                 <a:schemeClr val="tx1"/>
               </a:solidFill>
@@ -5599,7 +5599,7 @@
           <a:lstStyle/>
           <a:p>
             <a:r>
-              <a:rPr lang="en-US" sz="2000" dirty="0" smtClean="0"/>
+              <a:rPr lang="en-US" sz="2000" dirty="0"/>
               <a:t>1 Alias Graph</a:t>
             </a:r>
             <a:endParaRPr lang="he-IL" sz="2000" dirty="0"/>
@@ -5664,7 +5664,7 @@
               </a:rPr>
               <a:t>node2vec_walk()</a:t>
             </a:r>
-            <a:endParaRPr lang="he-IL" sz="2800" dirty="0" smtClean="0">
+            <a:endParaRPr lang="he-IL" sz="2800" dirty="0">
               <a:solidFill>
                 <a:schemeClr val="tx1"/>
               </a:solidFill>
@@ -5714,7 +5714,7 @@
         <p:spPr>
           <a:xfrm>
             <a:off x="16355901" y="19688145"/>
-            <a:ext cx="2308581" cy="400110"/>
+            <a:ext cx="3269998" cy="400110"/>
           </a:xfrm>
           <a:prstGeom prst="rect">
             <a:avLst/>
@@ -5729,8 +5729,24 @@
           <a:p>
             <a:pPr algn="l" rtl="0"/>
             <a:r>
-              <a:rPr lang="en-US" sz="2000" dirty="0" smtClean="0"/>
-              <a:t>1000 Random Walks</a:t>
+              <a:rPr lang="en-US" sz="2000" dirty="0"/>
+              <a:t>1000 </a:t>
+            </a:r>
+            <a:r>
+              <a:rPr lang="en-US" sz="2000"/>
+              <a:t>Random </a:t>
+            </a:r>
+            <a:r>
+              <a:rPr lang="en-US" sz="2000" dirty="0"/>
+              <a:t>w</a:t>
+            </a:r>
+            <a:r>
+              <a:rPr lang="en-US" sz="2000"/>
+              <a:t>alks </a:t>
+            </a:r>
+            <a:r>
+              <a:rPr lang="en-US" sz="2000" dirty="0"/>
+              <a:t>per node</a:t>
             </a:r>
             <a:endParaRPr lang="he-IL" sz="2000" dirty="0"/>
           </a:p>
@@ -5794,7 +5810,7 @@
               </a:rPr>
               <a:t>Word2Vec()</a:t>
             </a:r>
-            <a:endParaRPr lang="he-IL" sz="2800" dirty="0" smtClean="0">
+            <a:endParaRPr lang="he-IL" sz="2800" dirty="0">
               <a:solidFill>
                 <a:schemeClr val="tx1"/>
               </a:solidFill>
@@ -5859,7 +5875,7 @@
           <a:p>
             <a:pPr algn="l" rtl="0"/>
             <a:r>
-              <a:rPr lang="en-US" sz="2000" dirty="0" smtClean="0"/>
+              <a:rPr lang="en-US" sz="2000" dirty="0"/>
               <a:t>Model</a:t>
             </a:r>
             <a:endParaRPr lang="he-IL" sz="2000" dirty="0"/>
@@ -5913,7 +5929,7 @@
           <a:lstStyle/>
           <a:p>
             <a:pPr algn="ctr"/>
-            <a:endParaRPr lang="he-IL" sz="1400" dirty="0" smtClean="0">
+            <a:endParaRPr lang="he-IL" sz="1400" dirty="0">
               <a:solidFill>
                 <a:schemeClr val="tx1"/>
               </a:solidFill>
@@ -5972,14 +5988,14 @@
           <a:p>
             <a:pPr algn="ctr"/>
             <a:r>
-              <a:rPr lang="en-US" sz="2800" dirty="0" smtClean="0">
+              <a:rPr lang="en-US" sz="2800" dirty="0">
                 <a:solidFill>
                   <a:schemeClr val="tx1"/>
                 </a:solidFill>
               </a:rPr>
               <a:t>Build TrainSet</a:t>
             </a:r>
-            <a:endParaRPr lang="he-IL" sz="2800" dirty="0" smtClean="0">
+            <a:endParaRPr lang="he-IL" sz="2800" dirty="0">
               <a:solidFill>
                 <a:schemeClr val="tx1"/>
               </a:solidFill>
@@ -6044,7 +6060,7 @@
           <a:p>
             <a:pPr algn="l" rtl="0"/>
             <a:r>
-              <a:rPr lang="en-US" sz="2000" dirty="0" smtClean="0"/>
+              <a:rPr lang="en-US" sz="2000" dirty="0"/>
               <a:t>Context</a:t>
             </a:r>
             <a:endParaRPr lang="he-IL" sz="2000" dirty="0"/>
@@ -6108,7 +6124,7 @@
           <a:p>
             <a:pPr algn="l" rtl="0"/>
             <a:r>
-              <a:rPr lang="en-US" sz="2000" dirty="0" smtClean="0"/>
+              <a:rPr lang="en-US" sz="2000" dirty="0"/>
               <a:t>500 x_train, y_train</a:t>
             </a:r>
             <a:endParaRPr lang="he-IL" sz="2000" dirty="0"/>
@@ -6166,14 +6182,14 @@
           <a:p>
             <a:pPr algn="ctr"/>
             <a:r>
-              <a:rPr lang="en-US" sz="2800" dirty="0" smtClean="0">
+              <a:rPr lang="en-US" sz="2800" dirty="0">
                 <a:solidFill>
                   <a:schemeClr val="tx1"/>
                 </a:solidFill>
               </a:rPr>
               <a:t>Build TestSet</a:t>
             </a:r>
-            <a:endParaRPr lang="he-IL" sz="2800" dirty="0" smtClean="0">
+            <a:endParaRPr lang="he-IL" sz="2800" dirty="0">
               <a:solidFill>
                 <a:schemeClr val="tx1"/>
               </a:solidFill>
@@ -6238,7 +6254,7 @@
           <a:p>
             <a:pPr algn="l" rtl="0"/>
             <a:r>
-              <a:rPr lang="en-US" sz="2000" dirty="0" smtClean="0"/>
+              <a:rPr lang="en-US" sz="2000" dirty="0"/>
               <a:t>Context</a:t>
             </a:r>
             <a:endParaRPr lang="he-IL" sz="2000" dirty="0"/>
@@ -6302,7 +6318,7 @@
           <a:p>
             <a:pPr algn="l" rtl="0"/>
             <a:r>
-              <a:rPr lang="en-US" sz="2000" dirty="0" smtClean="0"/>
+              <a:rPr lang="en-US" sz="2000" dirty="0"/>
               <a:t>1000 x_test, y_test</a:t>
             </a:r>
             <a:endParaRPr lang="he-IL" sz="2000" dirty="0"/>
@@ -6365,21 +6381,8 @@
                   <a:schemeClr val="tx1"/>
                 </a:solidFill>
               </a:rPr>
-              <a:t>classifier.fit</a:t>
-            </a:r>
-            <a:r>
-              <a:rPr lang="en-US" sz="2800" dirty="0" smtClean="0">
-                <a:solidFill>
-                  <a:schemeClr val="tx1"/>
-                </a:solidFill>
-              </a:rPr>
-              <a:t>() (LogisticRegression)</a:t>
-            </a:r>
-            <a:endParaRPr lang="en-US" sz="2800" dirty="0">
-              <a:solidFill>
-                <a:schemeClr val="tx1"/>
-              </a:solidFill>
-            </a:endParaRPr>
+              <a:t>classifier.fit() (LogisticRegression)</a:t>
+            </a:r>
           </a:p>
         </p:txBody>
       </p:sp>
@@ -6441,7 +6444,7 @@
               </a:rPr>
               <a:t>classifier.predict()</a:t>
             </a:r>
-            <a:endParaRPr lang="he-IL" sz="2800" dirty="0" smtClean="0">
+            <a:endParaRPr lang="he-IL" sz="2800" dirty="0">
               <a:solidFill>
                 <a:schemeClr val="tx1"/>
               </a:solidFill>
@@ -6539,7 +6542,7 @@
           <a:p>
             <a:pPr algn="l" rtl="0"/>
             <a:r>
-              <a:rPr lang="en-US" sz="2000" dirty="0" smtClean="0"/>
+              <a:rPr lang="en-US" sz="2000" dirty="0"/>
               <a:t>Predictions</a:t>
             </a:r>
             <a:endParaRPr lang="he-IL" sz="2000" dirty="0"/>
@@ -6556,13 +6559,6 @@
   <p:clrMapOvr>
     <a:masterClrMapping/>
   </p:clrMapOvr>
-  <p:timing>
-    <p:tnLst>
-      <p:par>
-        <p:cTn id="1" dur="indefinite" restart="never" nodeType="tmRoot"/>
-      </p:par>
-    </p:tnLst>
-  </p:timing>
 </p:sld>
 </file>
 
